--- a/species_lists/Full plant list/plants_in_ForestGEO_plot.pptx
+++ b/species_lists/Full plant list/plants_in_ForestGEO_plot.pptx
@@ -171,6 +171,11 @@
       </a:defRPr>
     </a:lvl9pPr>
   </p:defaultTextStyle>
+  <p:extLst>
+    <p:ext uri="{EFAFB233-063F-42B5-8137-9DF3F51BA10A}">
+      <p15:sldGuideLst xmlns:p15="http://schemas.microsoft.com/office/powerpoint/2012/main"/>
+    </p:ext>
+  </p:extLst>
 </p:presentation>
 </file>
 
@@ -363,7 +368,7 @@
             <a:fld id="{B61BEF0D-F0BB-DE4B-95CE-6DB70DBA9567}" type="datetimeFigureOut">
               <a:rPr lang="en-US" dirty="0"/>
               <a:pPr/>
-              <a:t>5/20/2019</a:t>
+              <a:t>5/30/2019</a:t>
             </a:fld>
             <a:endParaRPr lang="en-US" dirty="0"/>
           </a:p>
@@ -698,7 +703,7 @@
             <a:fld id="{B61BEF0D-F0BB-DE4B-95CE-6DB70DBA9567}" type="datetimeFigureOut">
               <a:rPr lang="en-US" dirty="0"/>
               <a:pPr/>
-              <a:t>5/20/2019</a:t>
+              <a:t>5/30/2019</a:t>
             </a:fld>
             <a:endParaRPr lang="en-US" dirty="0"/>
           </a:p>
@@ -1096,7 +1101,7 @@
             <a:fld id="{B61BEF0D-F0BB-DE4B-95CE-6DB70DBA9567}" type="datetimeFigureOut">
               <a:rPr lang="en-US" dirty="0"/>
               <a:pPr/>
-              <a:t>5/20/2019</a:t>
+              <a:t>5/30/2019</a:t>
             </a:fld>
             <a:endParaRPr lang="en-US" dirty="0"/>
           </a:p>
@@ -1428,7 +1433,7 @@
             <a:fld id="{B61BEF0D-F0BB-DE4B-95CE-6DB70DBA9567}" type="datetimeFigureOut">
               <a:rPr lang="en-US" dirty="0"/>
               <a:pPr/>
-              <a:t>5/20/2019</a:t>
+              <a:t>5/30/2019</a:t>
             </a:fld>
             <a:endParaRPr lang="en-US" dirty="0"/>
           </a:p>
@@ -1745,7 +1750,7 @@
             <a:fld id="{B61BEF0D-F0BB-DE4B-95CE-6DB70DBA9567}" type="datetimeFigureOut">
               <a:rPr lang="en-US" dirty="0"/>
               <a:pPr/>
-              <a:t>5/20/2019</a:t>
+              <a:t>5/30/2019</a:t>
             </a:fld>
             <a:endParaRPr lang="en-US" dirty="0"/>
           </a:p>
@@ -2138,7 +2143,7 @@
             <a:fld id="{B61BEF0D-F0BB-DE4B-95CE-6DB70DBA9567}" type="datetimeFigureOut">
               <a:rPr lang="en-US" dirty="0"/>
               <a:pPr/>
-              <a:t>5/20/2019</a:t>
+              <a:t>5/30/2019</a:t>
             </a:fld>
             <a:endParaRPr lang="en-US" dirty="0"/>
           </a:p>
@@ -2392,7 +2397,7 @@
             <a:fld id="{B61BEF0D-F0BB-DE4B-95CE-6DB70DBA9567}" type="datetimeFigureOut">
               <a:rPr lang="en-US" dirty="0"/>
               <a:pPr/>
-              <a:t>5/20/2019</a:t>
+              <a:t>5/30/2019</a:t>
             </a:fld>
             <a:endParaRPr lang="en-US" dirty="0"/>
           </a:p>
@@ -2651,7 +2656,7 @@
             <a:fld id="{B61BEF0D-F0BB-DE4B-95CE-6DB70DBA9567}" type="datetimeFigureOut">
               <a:rPr lang="en-US" dirty="0"/>
               <a:pPr/>
-              <a:t>5/20/2019</a:t>
+              <a:t>5/30/2019</a:t>
             </a:fld>
             <a:endParaRPr lang="en-US" dirty="0"/>
           </a:p>
@@ -2910,7 +2915,7 @@
             <a:fld id="{B61BEF0D-F0BB-DE4B-95CE-6DB70DBA9567}" type="datetimeFigureOut">
               <a:rPr lang="en-US" dirty="0"/>
               <a:pPr/>
-              <a:t>5/20/2019</a:t>
+              <a:t>5/30/2019</a:t>
             </a:fld>
             <a:endParaRPr lang="en-US" dirty="0"/>
           </a:p>
@@ -3236,7 +3241,7 @@
             <a:fld id="{B61BEF0D-F0BB-DE4B-95CE-6DB70DBA9567}" type="datetimeFigureOut">
               <a:rPr lang="en-US" dirty="0"/>
               <a:pPr/>
-              <a:t>5/20/2019</a:t>
+              <a:t>5/30/2019</a:t>
             </a:fld>
             <a:endParaRPr lang="en-US" dirty="0"/>
           </a:p>
@@ -3556,7 +3561,7 @@
             <a:fld id="{B61BEF0D-F0BB-DE4B-95CE-6DB70DBA9567}" type="datetimeFigureOut">
               <a:rPr lang="en-US" dirty="0"/>
               <a:pPr/>
-              <a:t>5/20/2019</a:t>
+              <a:t>5/30/2019</a:t>
             </a:fld>
             <a:endParaRPr lang="en-US" dirty="0"/>
           </a:p>
@@ -4010,7 +4015,7 @@
             <a:fld id="{B61BEF0D-F0BB-DE4B-95CE-6DB70DBA9567}" type="datetimeFigureOut">
               <a:rPr lang="en-US" dirty="0"/>
               <a:pPr/>
-              <a:t>5/20/2019</a:t>
+              <a:t>5/30/2019</a:t>
             </a:fld>
             <a:endParaRPr lang="en-US" dirty="0"/>
           </a:p>
@@ -4212,7 +4217,7 @@
             <a:fld id="{B61BEF0D-F0BB-DE4B-95CE-6DB70DBA9567}" type="datetimeFigureOut">
               <a:rPr lang="en-US" dirty="0"/>
               <a:pPr/>
-              <a:t>5/20/2019</a:t>
+              <a:t>5/30/2019</a:t>
             </a:fld>
             <a:endParaRPr lang="en-US" dirty="0"/>
           </a:p>
@@ -4386,7 +4391,7 @@
             <a:fld id="{B61BEF0D-F0BB-DE4B-95CE-6DB70DBA9567}" type="datetimeFigureOut">
               <a:rPr lang="en-US" dirty="0"/>
               <a:pPr/>
-              <a:t>5/20/2019</a:t>
+              <a:t>5/30/2019</a:t>
             </a:fld>
             <a:endParaRPr lang="en-US" dirty="0"/>
           </a:p>
@@ -4716,7 +4721,7 @@
             <a:fld id="{B61BEF0D-F0BB-DE4B-95CE-6DB70DBA9567}" type="datetimeFigureOut">
               <a:rPr lang="en-US" dirty="0"/>
               <a:pPr/>
-              <a:t>5/20/2019</a:t>
+              <a:t>5/30/2019</a:t>
             </a:fld>
             <a:endParaRPr lang="en-US" dirty="0"/>
           </a:p>
@@ -5058,7 +5063,7 @@
             <a:fld id="{B61BEF0D-F0BB-DE4B-95CE-6DB70DBA9567}" type="datetimeFigureOut">
               <a:rPr lang="en-US" dirty="0"/>
               <a:pPr/>
-              <a:t>5/20/2019</a:t>
+              <a:t>5/30/2019</a:t>
             </a:fld>
             <a:endParaRPr lang="en-US" dirty="0"/>
           </a:p>
@@ -7172,7 +7177,7 @@
             <a:fld id="{B61BEF0D-F0BB-DE4B-95CE-6DB70DBA9567}" type="datetimeFigureOut">
               <a:rPr lang="en-US" dirty="0"/>
               <a:pPr/>
-              <a:t>5/20/2019</a:t>
+              <a:t>5/30/2019</a:t>
             </a:fld>
             <a:endParaRPr lang="en-US" dirty="0"/>
           </a:p>
@@ -12132,6 +12137,32 @@
 <file path=ppt/slides/slide46.xml><?xml version="1.0" encoding="utf-8"?>
 <p:sld xmlns:a="http://schemas.openxmlformats.org/drawingml/2006/main" xmlns:r="http://schemas.openxmlformats.org/officeDocument/2006/relationships" xmlns:p="http://schemas.openxmlformats.org/presentationml/2006/main">
   <p:cSld>
+    <p:bg>
+      <p:bgPr>
+        <a:gradFill rotWithShape="1">
+          <a:gsLst>
+            <a:gs pos="0">
+              <a:schemeClr val="bg2">
+                <a:tint val="90000"/>
+                <a:satMod val="92000"/>
+                <a:lumMod val="120000"/>
+              </a:schemeClr>
+            </a:gs>
+            <a:gs pos="100000">
+              <a:schemeClr val="bg2">
+                <a:shade val="98000"/>
+                <a:satMod val="120000"/>
+                <a:lumMod val="98000"/>
+              </a:schemeClr>
+            </a:gs>
+          </a:gsLst>
+          <a:path path="circle">
+            <a:fillToRect l="50000" t="50000" r="100000" b="100000"/>
+          </a:path>
+        </a:gradFill>
+        <a:effectLst/>
+      </p:bgPr>
+    </p:bg>
     <p:spTree>
       <p:nvGrpSpPr>
         <p:cNvPr id="1" name=""/>
@@ -12146,6 +12177,66 @@
           <a:chExt cx="0" cy="0"/>
         </a:xfrm>
       </p:grpSpPr>
+      <p:sp useBgFill="1">
+        <p:nvSpPr>
+          <p:cNvPr id="137" name="Rectangle 136">
+            <a:extLst>
+              <a:ext uri="{FF2B5EF4-FFF2-40B4-BE49-F238E27FC236}">
+                <a16:creationId xmlns:a16="http://schemas.microsoft.com/office/drawing/2014/main" id="{2B16C54D-9881-48B2-9089-078A94ED6F90}"/>
+              </a:ext>
+              <a:ext uri="{C183D7F6-B498-43B3-948B-1728B52AA6E4}">
+                <adec:decorative xmlns:adec="http://schemas.microsoft.com/office/drawing/2017/decorative" val="1"/>
+              </a:ext>
+            </a:extLst>
+          </p:cNvPr>
+          <p:cNvSpPr>
+            <a:spLocks noGrp="1" noRot="1" noChangeAspect="1" noMove="1" noResize="1" noEditPoints="1" noAdjustHandles="1" noChangeArrowheads="1" noChangeShapeType="1" noTextEdit="1"/>
+          </p:cNvSpPr>
+          <p:nvPr>
+            <p:extLst>
+              <p:ext uri="{386F3935-93C4-4BCD-93E2-E3B085C9AB24}">
+                <p16:designElem xmlns:p16="http://schemas.microsoft.com/office/powerpoint/2015/main" val="1"/>
+              </p:ext>
+            </p:extLst>
+          </p:nvPr>
+        </p:nvSpPr>
+        <p:spPr>
+          <a:xfrm>
+            <a:off x="0" y="-786"/>
+            <a:ext cx="12192000" cy="6854038"/>
+          </a:xfrm>
+          <a:prstGeom prst="rect">
+            <a:avLst/>
+          </a:prstGeom>
+          <a:ln>
+            <a:noFill/>
+          </a:ln>
+        </p:spPr>
+        <p:style>
+          <a:lnRef idx="2">
+            <a:schemeClr val="accent1">
+              <a:shade val="50000"/>
+            </a:schemeClr>
+          </a:lnRef>
+          <a:fillRef idx="1">
+            <a:schemeClr val="accent1"/>
+          </a:fillRef>
+          <a:effectRef idx="0">
+            <a:schemeClr val="accent1"/>
+          </a:effectRef>
+          <a:fontRef idx="minor">
+            <a:schemeClr val="lt1"/>
+          </a:fontRef>
+        </p:style>
+        <p:txBody>
+          <a:bodyPr rtlCol="0" anchor="ctr"/>
+          <a:lstStyle/>
+          <a:p>
+            <a:pPr algn="ctr"/>
+            <a:endParaRPr lang="en-US"/>
+          </a:p>
+        </p:txBody>
+      </p:sp>
       <p:sp>
         <p:nvSpPr>
           <p:cNvPr id="2" name="Title 1">
@@ -12162,9 +12253,16 @@
             <p:ph type="title"/>
           </p:nvPr>
         </p:nvSpPr>
-        <p:spPr/>
-        <p:txBody>
-          <a:bodyPr/>
+        <p:spPr>
+          <a:xfrm>
+            <a:off x="649224" y="645106"/>
+            <a:ext cx="3650279" cy="1259894"/>
+          </a:xfrm>
+        </p:spPr>
+        <p:txBody>
+          <a:bodyPr>
+            <a:normAutofit/>
+          </a:bodyPr>
           <a:lstStyle/>
           <a:p>
             <a:r>
@@ -12173,6 +12271,60 @@
             </a:r>
           </a:p>
         </p:txBody>
+      </p:sp>
+      <p:sp>
+        <p:nvSpPr>
+          <p:cNvPr id="139" name="Rectangle 138">
+            <a:extLst>
+              <a:ext uri="{FF2B5EF4-FFF2-40B4-BE49-F238E27FC236}">
+                <a16:creationId xmlns:a16="http://schemas.microsoft.com/office/drawing/2014/main" id="{71FCF991-75EB-44A5-929C-06F9CB93E121}"/>
+              </a:ext>
+              <a:ext uri="{C183D7F6-B498-43B3-948B-1728B52AA6E4}">
+                <adec:decorative xmlns:adec="http://schemas.microsoft.com/office/drawing/2017/decorative" val="1"/>
+              </a:ext>
+            </a:extLst>
+          </p:cNvPr>
+          <p:cNvSpPr>
+            <a:spLocks noGrp="1" noRot="1" noChangeAspect="1" noMove="1" noResize="1" noEditPoints="1" noAdjustHandles="1" noChangeArrowheads="1" noChangeShapeType="1" noTextEdit="1"/>
+          </p:cNvSpPr>
+          <p:nvPr>
+            <p:extLst>
+              <p:ext uri="{386F3935-93C4-4BCD-93E2-E3B085C9AB24}">
+                <p16:designElem xmlns:p16="http://schemas.microsoft.com/office/powerpoint/2015/main" val="1"/>
+              </p:ext>
+            </p:extLst>
+          </p:nvPr>
+        </p:nvSpPr>
+        <p:spPr>
+          <a:xfrm>
+            <a:off x="0" y="0"/>
+            <a:ext cx="182880" cy="6858000"/>
+          </a:xfrm>
+          <a:prstGeom prst="rect">
+            <a:avLst/>
+          </a:prstGeom>
+          <a:solidFill>
+            <a:schemeClr val="tx2"/>
+          </a:solidFill>
+          <a:ln>
+            <a:noFill/>
+          </a:ln>
+          <a:effectLst/>
+        </p:spPr>
+        <p:style>
+          <a:lnRef idx="1">
+            <a:schemeClr val="accent1"/>
+          </a:lnRef>
+          <a:fillRef idx="3">
+            <a:schemeClr val="accent1"/>
+          </a:fillRef>
+          <a:effectRef idx="2">
+            <a:schemeClr val="accent1"/>
+          </a:effectRef>
+          <a:fontRef idx="minor">
+            <a:schemeClr val="lt1"/>
+          </a:fontRef>
+        </p:style>
       </p:sp>
       <p:sp>
         <p:nvSpPr>
@@ -12190,9 +12342,16 @@
             <p:ph idx="1"/>
           </p:nvPr>
         </p:nvSpPr>
-        <p:spPr/>
-        <p:txBody>
-          <a:bodyPr/>
+        <p:spPr>
+          <a:xfrm>
+            <a:off x="649225" y="2133600"/>
+            <a:ext cx="3650278" cy="3774537"/>
+          </a:xfrm>
+        </p:spPr>
+        <p:txBody>
+          <a:bodyPr>
+            <a:normAutofit/>
+          </a:bodyPr>
           <a:lstStyle/>
           <a:p>
             <a:pPr marL="0" indent="0">
@@ -12231,6 +12390,355 @@
           </a:p>
           <a:p>
             <a:endParaRPr lang="en-US" dirty="0"/>
+          </a:p>
+        </p:txBody>
+      </p:sp>
+      <p:pic>
+        <p:nvPicPr>
+          <p:cNvPr id="1026" name="Picture 2" descr="https://www.dendroapp.frec.vt.edu/VT_Assets/Fact_Sheets/images/Quercus%20alba/leaf1.jpg">
+            <a:extLst>
+              <a:ext uri="{FF2B5EF4-FFF2-40B4-BE49-F238E27FC236}">
+                <a16:creationId xmlns:a16="http://schemas.microsoft.com/office/drawing/2014/main" id="{F4D9E7C6-9D13-42F1-9450-2AEDB65B95B9}"/>
+              </a:ext>
+            </a:extLst>
+          </p:cNvPr>
+          <p:cNvPicPr>
+            <a:picLocks noChangeAspect="1" noChangeArrowheads="1"/>
+          </p:cNvPicPr>
+          <p:nvPr/>
+        </p:nvPicPr>
+        <p:blipFill rotWithShape="1">
+          <a:blip r:embed="rId2">
+            <a:extLst>
+              <a:ext uri="{28A0092B-C50C-407E-A947-70E740481C1C}">
+                <a14:useLocalDpi xmlns:a14="http://schemas.microsoft.com/office/drawing/2010/main" val="0"/>
+              </a:ext>
+            </a:extLst>
+          </a:blip>
+          <a:srcRect l="1162" r="2410" b="1"/>
+          <a:stretch/>
+        </p:blipFill>
+        <p:spPr bwMode="auto">
+          <a:xfrm>
+            <a:off x="7367516" y="636995"/>
+            <a:ext cx="3380136" cy="5271142"/>
+          </a:xfrm>
+          <a:prstGeom prst="rect">
+            <a:avLst/>
+          </a:prstGeom>
+          <a:noFill/>
+          <a:extLst>
+            <a:ext uri="{909E8E84-426E-40DD-AFC4-6F175D3DCCD1}">
+              <a14:hiddenFill xmlns:a14="http://schemas.microsoft.com/office/drawing/2010/main">
+                <a:solidFill>
+                  <a:srgbClr val="FFFFFF"/>
+                </a:solidFill>
+              </a14:hiddenFill>
+            </a:ext>
+          </a:extLst>
+        </p:spPr>
+      </p:pic>
+      <p:pic>
+        <p:nvPicPr>
+          <p:cNvPr id="1028" name="Picture 4" descr="https://www.dendroapp.frec.vt.edu/VT_Assets/Fact_Sheets/images/Quercus%20alba/fruit1.jpg">
+            <a:extLst>
+              <a:ext uri="{FF2B5EF4-FFF2-40B4-BE49-F238E27FC236}">
+                <a16:creationId xmlns:a16="http://schemas.microsoft.com/office/drawing/2014/main" id="{990FE9C0-9C4D-476F-919B-3D607A4EFA49}"/>
+              </a:ext>
+            </a:extLst>
+          </p:cNvPr>
+          <p:cNvPicPr>
+            <a:picLocks noChangeAspect="1" noChangeArrowheads="1"/>
+          </p:cNvPicPr>
+          <p:nvPr/>
+        </p:nvPicPr>
+        <p:blipFill rotWithShape="1">
+          <a:blip r:embed="rId3">
+            <a:extLst>
+              <a:ext uri="{28A0092B-C50C-407E-A947-70E740481C1C}">
+                <a14:useLocalDpi xmlns:a14="http://schemas.microsoft.com/office/drawing/2010/main" val="0"/>
+              </a:ext>
+            </a:extLst>
+          </a:blip>
+          <a:srcRect l="2437" r="13089" b="1"/>
+          <a:stretch/>
+        </p:blipFill>
+        <p:spPr bwMode="auto">
+          <a:xfrm>
+            <a:off x="4654758" y="1754231"/>
+            <a:ext cx="2157521" cy="3349538"/>
+          </a:xfrm>
+          <a:prstGeom prst="rect">
+            <a:avLst/>
+          </a:prstGeom>
+          <a:noFill/>
+          <a:extLst>
+            <a:ext uri="{909E8E84-426E-40DD-AFC4-6F175D3DCCD1}">
+              <a14:hiddenFill xmlns:a14="http://schemas.microsoft.com/office/drawing/2010/main">
+                <a:solidFill>
+                  <a:srgbClr val="FFFFFF"/>
+                </a:solidFill>
+              </a14:hiddenFill>
+            </a:ext>
+          </a:extLst>
+        </p:spPr>
+      </p:pic>
+      <p:sp>
+        <p:nvSpPr>
+          <p:cNvPr id="141" name="Freeform 11">
+            <a:extLst>
+              <a:ext uri="{FF2B5EF4-FFF2-40B4-BE49-F238E27FC236}">
+                <a16:creationId xmlns:a16="http://schemas.microsoft.com/office/drawing/2014/main" id="{AF838850-2A6A-406A-A36B-1B8E95BA96E6}"/>
+              </a:ext>
+              <a:ext uri="{C183D7F6-B498-43B3-948B-1728B52AA6E4}">
+                <adec:decorative xmlns:adec="http://schemas.microsoft.com/office/drawing/2017/decorative" val="1"/>
+              </a:ext>
+            </a:extLst>
+          </p:cNvPr>
+          <p:cNvSpPr>
+            <a:spLocks noGrp="1" noRot="1" noChangeAspect="1" noMove="1" noResize="1" noEditPoints="1" noAdjustHandles="1" noChangeArrowheads="1" noChangeShapeType="1" noTextEdit="1"/>
+          </p:cNvSpPr>
+          <p:nvPr>
+            <p:extLst>
+              <p:ext uri="{386F3935-93C4-4BCD-93E2-E3B085C9AB24}">
+                <p16:designElem xmlns:p16="http://schemas.microsoft.com/office/powerpoint/2015/main" val="1"/>
+              </p:ext>
+            </p:extLst>
+          </p:nvPr>
+        </p:nvSpPr>
+        <p:spPr>
+          <a:xfrm>
+            <a:off x="-1" y="6061223"/>
+            <a:ext cx="1038036" cy="506277"/>
+          </a:xfrm>
+          <a:custGeom>
+            <a:avLst/>
+            <a:gdLst>
+              <a:gd name="connsiteX0" fmla="*/ 0 w 1038036"/>
+              <a:gd name="connsiteY0" fmla="*/ 0 h 506277"/>
+              <a:gd name="connsiteX1" fmla="*/ 182880 w 1038036"/>
+              <a:gd name="connsiteY1" fmla="*/ 0 h 506277"/>
+              <a:gd name="connsiteX2" fmla="*/ 291705 w 1038036"/>
+              <a:gd name="connsiteY2" fmla="*/ 0 h 506277"/>
+              <a:gd name="connsiteX3" fmla="*/ 291705 w 1038036"/>
+              <a:gd name="connsiteY3" fmla="*/ 151 h 506277"/>
+              <a:gd name="connsiteX4" fmla="*/ 692049 w 1038036"/>
+              <a:gd name="connsiteY4" fmla="*/ 705 h 506277"/>
+              <a:gd name="connsiteX5" fmla="*/ 782744 w 1038036"/>
+              <a:gd name="connsiteY5" fmla="*/ 705 h 506277"/>
+              <a:gd name="connsiteX6" fmla="*/ 797001 w 1038036"/>
+              <a:gd name="connsiteY6" fmla="*/ 5473 h 506277"/>
+              <a:gd name="connsiteX7" fmla="*/ 801982 w 1038036"/>
+              <a:gd name="connsiteY7" fmla="*/ 10242 h 506277"/>
+              <a:gd name="connsiteX8" fmla="*/ 1030951 w 1038036"/>
+              <a:gd name="connsiteY8" fmla="*/ 239185 h 506277"/>
+              <a:gd name="connsiteX9" fmla="*/ 1030951 w 1038036"/>
+              <a:gd name="connsiteY9" fmla="*/ 267797 h 506277"/>
+              <a:gd name="connsiteX10" fmla="*/ 801982 w 1038036"/>
+              <a:gd name="connsiteY10" fmla="*/ 496740 h 506277"/>
+              <a:gd name="connsiteX11" fmla="*/ 797001 w 1038036"/>
+              <a:gd name="connsiteY11" fmla="*/ 501508 h 506277"/>
+              <a:gd name="connsiteX12" fmla="*/ 782744 w 1038036"/>
+              <a:gd name="connsiteY12" fmla="*/ 506277 h 506277"/>
+              <a:gd name="connsiteX13" fmla="*/ 692049 w 1038036"/>
+              <a:gd name="connsiteY13" fmla="*/ 506277 h 506277"/>
+              <a:gd name="connsiteX14" fmla="*/ 291705 w 1038036"/>
+              <a:gd name="connsiteY14" fmla="*/ 505140 h 506277"/>
+              <a:gd name="connsiteX15" fmla="*/ 291705 w 1038036"/>
+              <a:gd name="connsiteY15" fmla="*/ 506277 h 506277"/>
+              <a:gd name="connsiteX16" fmla="*/ 0 w 1038036"/>
+              <a:gd name="connsiteY16" fmla="*/ 506277 h 506277"/>
+            </a:gdLst>
+            <a:ahLst/>
+            <a:cxnLst>
+              <a:cxn ang="0">
+                <a:pos x="connsiteX0" y="connsiteY0"/>
+              </a:cxn>
+              <a:cxn ang="0">
+                <a:pos x="connsiteX1" y="connsiteY1"/>
+              </a:cxn>
+              <a:cxn ang="0">
+                <a:pos x="connsiteX2" y="connsiteY2"/>
+              </a:cxn>
+              <a:cxn ang="0">
+                <a:pos x="connsiteX3" y="connsiteY3"/>
+              </a:cxn>
+              <a:cxn ang="0">
+                <a:pos x="connsiteX4" y="connsiteY4"/>
+              </a:cxn>
+              <a:cxn ang="0">
+                <a:pos x="connsiteX5" y="connsiteY5"/>
+              </a:cxn>
+              <a:cxn ang="0">
+                <a:pos x="connsiteX6" y="connsiteY6"/>
+              </a:cxn>
+              <a:cxn ang="0">
+                <a:pos x="connsiteX7" y="connsiteY7"/>
+              </a:cxn>
+              <a:cxn ang="0">
+                <a:pos x="connsiteX8" y="connsiteY8"/>
+              </a:cxn>
+              <a:cxn ang="0">
+                <a:pos x="connsiteX9" y="connsiteY9"/>
+              </a:cxn>
+              <a:cxn ang="0">
+                <a:pos x="connsiteX10" y="connsiteY10"/>
+              </a:cxn>
+              <a:cxn ang="0">
+                <a:pos x="connsiteX11" y="connsiteY11"/>
+              </a:cxn>
+              <a:cxn ang="0">
+                <a:pos x="connsiteX12" y="connsiteY12"/>
+              </a:cxn>
+              <a:cxn ang="0">
+                <a:pos x="connsiteX13" y="connsiteY13"/>
+              </a:cxn>
+              <a:cxn ang="0">
+                <a:pos x="connsiteX14" y="connsiteY14"/>
+              </a:cxn>
+              <a:cxn ang="0">
+                <a:pos x="connsiteX15" y="connsiteY15"/>
+              </a:cxn>
+              <a:cxn ang="0">
+                <a:pos x="connsiteX16" y="connsiteY16"/>
+              </a:cxn>
+            </a:cxnLst>
+            <a:rect l="l" t="t" r="r" b="b"/>
+            <a:pathLst>
+              <a:path w="1038036" h="506277">
+                <a:moveTo>
+                  <a:pt x="0" y="0"/>
+                </a:moveTo>
+                <a:lnTo>
+                  <a:pt x="182880" y="0"/>
+                </a:lnTo>
+                <a:lnTo>
+                  <a:pt x="291705" y="0"/>
+                </a:lnTo>
+                <a:lnTo>
+                  <a:pt x="291705" y="151"/>
+                </a:lnTo>
+                <a:lnTo>
+                  <a:pt x="692049" y="705"/>
+                </a:lnTo>
+                <a:lnTo>
+                  <a:pt x="782744" y="705"/>
+                </a:lnTo>
+                <a:cubicBezTo>
+                  <a:pt x="787553" y="705"/>
+                  <a:pt x="792363" y="5473"/>
+                  <a:pt x="797001" y="5473"/>
+                </a:cubicBezTo>
+                <a:cubicBezTo>
+                  <a:pt x="797001" y="10242"/>
+                  <a:pt x="801982" y="10242"/>
+                  <a:pt x="801982" y="10242"/>
+                </a:cubicBezTo>
+                <a:lnTo>
+                  <a:pt x="1030951" y="239185"/>
+                </a:lnTo>
+                <a:cubicBezTo>
+                  <a:pt x="1040398" y="248722"/>
+                  <a:pt x="1040398" y="258259"/>
+                  <a:pt x="1030951" y="267797"/>
+                </a:cubicBezTo>
+                <a:lnTo>
+                  <a:pt x="801982" y="496740"/>
+                </a:lnTo>
+                <a:cubicBezTo>
+                  <a:pt x="800436" y="498363"/>
+                  <a:pt x="798547" y="499885"/>
+                  <a:pt x="797001" y="501508"/>
+                </a:cubicBezTo>
+                <a:cubicBezTo>
+                  <a:pt x="792363" y="506277"/>
+                  <a:pt x="787553" y="506277"/>
+                  <a:pt x="782744" y="506277"/>
+                </a:cubicBezTo>
+                <a:lnTo>
+                  <a:pt x="692049" y="506277"/>
+                </a:lnTo>
+                <a:lnTo>
+                  <a:pt x="291705" y="505140"/>
+                </a:lnTo>
+                <a:lnTo>
+                  <a:pt x="291705" y="506277"/>
+                </a:lnTo>
+                <a:lnTo>
+                  <a:pt x="0" y="506277"/>
+                </a:lnTo>
+                <a:close/>
+              </a:path>
+            </a:pathLst>
+          </a:custGeom>
+          <a:ln>
+            <a:noFill/>
+          </a:ln>
+        </p:spPr>
+        <p:style>
+          <a:lnRef idx="2">
+            <a:schemeClr val="accent1">
+              <a:shade val="50000"/>
+            </a:schemeClr>
+          </a:lnRef>
+          <a:fillRef idx="1">
+            <a:schemeClr val="accent1"/>
+          </a:fillRef>
+          <a:effectRef idx="0">
+            <a:schemeClr val="accent1"/>
+          </a:effectRef>
+          <a:fontRef idx="minor">
+            <a:schemeClr val="lt1"/>
+          </a:fontRef>
+        </p:style>
+        <p:txBody>
+          <a:bodyPr rtlCol="0" anchor="ctr"/>
+          <a:lstStyle/>
+          <a:p>
+            <a:pPr algn="ctr"/>
+            <a:endParaRPr lang="en-US"/>
+          </a:p>
+        </p:txBody>
+      </p:sp>
+      <p:sp>
+        <p:nvSpPr>
+          <p:cNvPr id="4" name="TextBox 3">
+            <a:extLst>
+              <a:ext uri="{FF2B5EF4-FFF2-40B4-BE49-F238E27FC236}">
+                <a16:creationId xmlns:a16="http://schemas.microsoft.com/office/drawing/2014/main" id="{F18C069E-D1FB-4DFF-A5DE-E1AA8CD6897A}"/>
+              </a:ext>
+            </a:extLst>
+          </p:cNvPr>
+          <p:cNvSpPr txBox="1"/>
+          <p:nvPr/>
+        </p:nvSpPr>
+        <p:spPr>
+          <a:xfrm>
+            <a:off x="4654758" y="5908137"/>
+            <a:ext cx="6531428" cy="246221"/>
+          </a:xfrm>
+          <a:prstGeom prst="rect">
+            <a:avLst/>
+          </a:prstGeom>
+          <a:noFill/>
+        </p:spPr>
+        <p:txBody>
+          <a:bodyPr wrap="square" rtlCol="0">
+            <a:spAutoFit/>
+          </a:bodyPr>
+          <a:lstStyle/>
+          <a:p>
+            <a:r>
+              <a:rPr lang="en-US" sz="1000" dirty="0"/>
+              <a:t>Source: </a:t>
+            </a:r>
+            <a:r>
+              <a:rPr lang="en-US" sz="1000" dirty="0">
+                <a:hlinkClick r:id="rId4"/>
+              </a:rPr>
+              <a:t>http://dendro.cnre.vt.edu/dendrology/syllabus/factsheet.cfm?ID=35</a:t>
+            </a:r>
+            <a:endParaRPr lang="en-US" sz="1000" dirty="0"/>
           </a:p>
         </p:txBody>
       </p:sp>
@@ -12877,6 +13385,53 @@
           </a:p>
         </p:txBody>
       </p:sp>
+      <p:pic>
+        <p:nvPicPr>
+          <p:cNvPr id="5" name="Picture 2" descr="https://www.dendroapp.frec.vt.edu/VT_Assets/Fact_Sheets/images/Quercus%20coccinea/fruit1.jpg">
+            <a:extLst>
+              <a:ext uri="{FF2B5EF4-FFF2-40B4-BE49-F238E27FC236}">
+                <a16:creationId xmlns:a16="http://schemas.microsoft.com/office/drawing/2014/main" id="{F28456B4-07D3-4452-846F-08372F992E8A}"/>
+              </a:ext>
+            </a:extLst>
+          </p:cNvPr>
+          <p:cNvPicPr>
+            <a:picLocks noChangeAspect="1" noChangeArrowheads="1"/>
+          </p:cNvPicPr>
+          <p:nvPr/>
+        </p:nvPicPr>
+        <p:blipFill>
+          <a:blip r:embed="rId4">
+            <a:extLst>
+              <a:ext uri="{28A0092B-C50C-407E-A947-70E740481C1C}">
+                <a14:useLocalDpi xmlns:a14="http://schemas.microsoft.com/office/drawing/2010/main" val="0"/>
+              </a:ext>
+            </a:extLst>
+          </a:blip>
+          <a:srcRect/>
+          <a:stretch>
+            <a:fillRect/>
+          </a:stretch>
+        </p:blipFill>
+        <p:spPr bwMode="auto">
+          <a:xfrm>
+            <a:off x="4194682" y="497820"/>
+            <a:ext cx="1946259" cy="3042961"/>
+          </a:xfrm>
+          <a:prstGeom prst="rect">
+            <a:avLst/>
+          </a:prstGeom>
+          <a:noFill/>
+          <a:extLst>
+            <a:ext uri="{909E8E84-426E-40DD-AFC4-6F175D3DCCD1}">
+              <a14:hiddenFill xmlns:a14="http://schemas.microsoft.com/office/drawing/2010/main">
+                <a:solidFill>
+                  <a:srgbClr val="FFFFFF"/>
+                </a:solidFill>
+              </a14:hiddenFill>
+            </a:ext>
+          </a:extLst>
+        </p:spPr>
+      </p:pic>
     </p:spTree>
     <p:extLst>
       <p:ext uri="{BB962C8B-B14F-4D97-AF65-F5344CB8AC3E}">
@@ -13187,7 +13742,7 @@
         </p:blipFill>
         <p:spPr bwMode="auto">
           <a:xfrm>
-            <a:off x="6797347" y="645106"/>
+            <a:off x="7681117" y="694098"/>
             <a:ext cx="4040765" cy="5247747"/>
           </a:xfrm>
           <a:prstGeom prst="rect">
@@ -13422,6 +13977,95 @@
           </a:p>
         </p:txBody>
       </p:sp>
+      <p:sp>
+        <p:nvSpPr>
+          <p:cNvPr id="4" name="TextBox 3">
+            <a:extLst>
+              <a:ext uri="{FF2B5EF4-FFF2-40B4-BE49-F238E27FC236}">
+                <a16:creationId xmlns:a16="http://schemas.microsoft.com/office/drawing/2014/main" id="{EA9D7D36-A07A-46CF-97D5-AE6779E980DC}"/>
+              </a:ext>
+            </a:extLst>
+          </p:cNvPr>
+          <p:cNvSpPr txBox="1"/>
+          <p:nvPr/>
+        </p:nvSpPr>
+        <p:spPr>
+          <a:xfrm>
+            <a:off x="6797347" y="6061223"/>
+            <a:ext cx="4200853" cy="553998"/>
+          </a:xfrm>
+          <a:prstGeom prst="rect">
+            <a:avLst/>
+          </a:prstGeom>
+          <a:noFill/>
+        </p:spPr>
+        <p:txBody>
+          <a:bodyPr wrap="square" rtlCol="0">
+            <a:spAutoFit/>
+          </a:bodyPr>
+          <a:lstStyle/>
+          <a:p>
+            <a:r>
+              <a:rPr lang="en-US" sz="1000" dirty="0"/>
+              <a:t>Source: </a:t>
+            </a:r>
+            <a:r>
+              <a:rPr lang="en-US" sz="1000" dirty="0">
+                <a:hlinkClick r:id="rId3"/>
+              </a:rPr>
+              <a:t>http://dendro.cnre.vt.edu/dendrology/syllabus/factsheet.cfm?ID=68</a:t>
+            </a:r>
+            <a:endParaRPr lang="en-US" sz="1000" dirty="0"/>
+          </a:p>
+        </p:txBody>
+      </p:sp>
+      <p:pic>
+        <p:nvPicPr>
+          <p:cNvPr id="3074" name="Picture 2" descr="https://www.dendroapp.frec.vt.edu/VT_Assets/Fact_Sheets/images/Quercus%20falcata/fruit1.jpg">
+            <a:extLst>
+              <a:ext uri="{FF2B5EF4-FFF2-40B4-BE49-F238E27FC236}">
+                <a16:creationId xmlns:a16="http://schemas.microsoft.com/office/drawing/2014/main" id="{F072EAF3-67EC-4068-A6D3-76A5C85F4E4A}"/>
+              </a:ext>
+            </a:extLst>
+          </p:cNvPr>
+          <p:cNvPicPr>
+            <a:picLocks noChangeAspect="1" noChangeArrowheads="1"/>
+          </p:cNvPicPr>
+          <p:nvPr/>
+        </p:nvPicPr>
+        <p:blipFill>
+          <a:blip r:embed="rId4">
+            <a:extLst>
+              <a:ext uri="{28A0092B-C50C-407E-A947-70E740481C1C}">
+                <a14:useLocalDpi xmlns:a14="http://schemas.microsoft.com/office/drawing/2010/main" val="0"/>
+              </a:ext>
+            </a:extLst>
+          </a:blip>
+          <a:srcRect/>
+          <a:stretch>
+            <a:fillRect/>
+          </a:stretch>
+        </p:blipFill>
+        <p:spPr bwMode="auto">
+          <a:xfrm>
+            <a:off x="5575160" y="1759419"/>
+            <a:ext cx="1689930" cy="2541600"/>
+          </a:xfrm>
+          <a:prstGeom prst="rect">
+            <a:avLst/>
+          </a:prstGeom>
+          <a:noFill/>
+          <a:extLst>
+            <a:ext uri="{909E8E84-426E-40DD-AFC4-6F175D3DCCD1}">
+              <a14:hiddenFill xmlns:a14="http://schemas.microsoft.com/office/drawing/2010/main">
+                <a:solidFill>
+                  <a:srgbClr val="FFFFFF"/>
+                </a:solidFill>
+              </a14:hiddenFill>
+            </a:ext>
+          </a:extLst>
+        </p:spPr>
+      </p:pic>
     </p:spTree>
     <p:extLst>
       <p:ext uri="{BB962C8B-B14F-4D97-AF65-F5344CB8AC3E}">
@@ -13745,7 +14389,7 @@
         </p:blipFill>
         <p:spPr bwMode="auto">
           <a:xfrm>
-            <a:off x="7072854" y="645106"/>
+            <a:off x="8273625" y="575445"/>
             <a:ext cx="3489751" cy="5247747"/>
           </a:xfrm>
           <a:prstGeom prst="rect">
@@ -14022,6 +14666,53 @@
           </a:p>
         </p:txBody>
       </p:sp>
+      <p:pic>
+        <p:nvPicPr>
+          <p:cNvPr id="4098" name="Picture 2" descr="https://www.dendroapp.frec.vt.edu/VT_Assets/Fact_Sheets/images/Quercus%20michauxii/fruit1.jpg">
+            <a:extLst>
+              <a:ext uri="{FF2B5EF4-FFF2-40B4-BE49-F238E27FC236}">
+                <a16:creationId xmlns:a16="http://schemas.microsoft.com/office/drawing/2014/main" id="{D30D7374-0680-4BDA-BA8F-06B325D65720}"/>
+              </a:ext>
+            </a:extLst>
+          </p:cNvPr>
+          <p:cNvPicPr>
+            <a:picLocks noChangeAspect="1" noChangeArrowheads="1"/>
+          </p:cNvPicPr>
+          <p:nvPr/>
+        </p:nvPicPr>
+        <p:blipFill>
+          <a:blip r:embed="rId4">
+            <a:extLst>
+              <a:ext uri="{28A0092B-C50C-407E-A947-70E740481C1C}">
+                <a14:useLocalDpi xmlns:a14="http://schemas.microsoft.com/office/drawing/2010/main" val="0"/>
+              </a:ext>
+            </a:extLst>
+          </a:blip>
+          <a:srcRect/>
+          <a:stretch>
+            <a:fillRect/>
+          </a:stretch>
+        </p:blipFill>
+        <p:spPr bwMode="auto">
+          <a:xfrm>
+            <a:off x="5632450" y="1965230"/>
+            <a:ext cx="2400300" cy="3171825"/>
+          </a:xfrm>
+          <a:prstGeom prst="rect">
+            <a:avLst/>
+          </a:prstGeom>
+          <a:noFill/>
+          <a:extLst>
+            <a:ext uri="{909E8E84-426E-40DD-AFC4-6F175D3DCCD1}">
+              <a14:hiddenFill xmlns:a14="http://schemas.microsoft.com/office/drawing/2010/main">
+                <a:solidFill>
+                  <a:srgbClr val="FFFFFF"/>
+                </a:solidFill>
+              </a14:hiddenFill>
+            </a:ext>
+          </a:extLst>
+        </p:spPr>
+      </p:pic>
     </p:spTree>
     <p:extLst>
       <p:ext uri="{BB962C8B-B14F-4D97-AF65-F5344CB8AC3E}">
@@ -14429,7 +15120,7 @@
         </p:blipFill>
         <p:spPr bwMode="auto">
           <a:xfrm>
-            <a:off x="7413957" y="645106"/>
+            <a:off x="8945728" y="575445"/>
             <a:ext cx="2807544" cy="5247747"/>
           </a:xfrm>
           <a:prstGeom prst="rect">
@@ -14706,6 +15397,53 @@
           </a:p>
         </p:txBody>
       </p:sp>
+      <p:pic>
+        <p:nvPicPr>
+          <p:cNvPr id="5122" name="Picture 2" descr="https://www.dendroapp.frec.vt.edu/VT_Assets/Fact_Sheets/images/Quercus%20muehlenbergii/fruit1.jpg">
+            <a:extLst>
+              <a:ext uri="{FF2B5EF4-FFF2-40B4-BE49-F238E27FC236}">
+                <a16:creationId xmlns:a16="http://schemas.microsoft.com/office/drawing/2014/main" id="{FE11AF46-FDD9-4720-BCBA-2F28986D325F}"/>
+              </a:ext>
+            </a:extLst>
+          </p:cNvPr>
+          <p:cNvPicPr>
+            <a:picLocks noChangeAspect="1" noChangeArrowheads="1"/>
+          </p:cNvPicPr>
+          <p:nvPr/>
+        </p:nvPicPr>
+        <p:blipFill>
+          <a:blip r:embed="rId4">
+            <a:extLst>
+              <a:ext uri="{28A0092B-C50C-407E-A947-70E740481C1C}">
+                <a14:useLocalDpi xmlns:a14="http://schemas.microsoft.com/office/drawing/2010/main" val="0"/>
+              </a:ext>
+            </a:extLst>
+          </a:blip>
+          <a:srcRect/>
+          <a:stretch>
+            <a:fillRect/>
+          </a:stretch>
+        </p:blipFill>
+        <p:spPr bwMode="auto">
+          <a:xfrm>
+            <a:off x="6096000" y="1790762"/>
+            <a:ext cx="2400300" cy="3295650"/>
+          </a:xfrm>
+          <a:prstGeom prst="rect">
+            <a:avLst/>
+          </a:prstGeom>
+          <a:noFill/>
+          <a:extLst>
+            <a:ext uri="{909E8E84-426E-40DD-AFC4-6F175D3DCCD1}">
+              <a14:hiddenFill xmlns:a14="http://schemas.microsoft.com/office/drawing/2010/main">
+                <a:solidFill>
+                  <a:srgbClr val="FFFFFF"/>
+                </a:solidFill>
+              </a14:hiddenFill>
+            </a:ext>
+          </a:extLst>
+        </p:spPr>
+      </p:pic>
     </p:spTree>
     <p:extLst>
       <p:ext uri="{BB962C8B-B14F-4D97-AF65-F5344CB8AC3E}">
@@ -15030,7 +15768,7 @@
         </p:blipFill>
         <p:spPr bwMode="auto">
           <a:xfrm>
-            <a:off x="7072854" y="645106"/>
+            <a:off x="8273625" y="645106"/>
             <a:ext cx="3489751" cy="5247747"/>
           </a:xfrm>
           <a:prstGeom prst="rect">
@@ -15307,6 +16045,53 @@
           </a:p>
         </p:txBody>
       </p:sp>
+      <p:pic>
+        <p:nvPicPr>
+          <p:cNvPr id="5" name="Picture 2" descr="https://www.dendroapp.frec.vt.edu/VT_Assets/Fact_Sheets/images/Quercus%20palustris/fruit1.jpg">
+            <a:extLst>
+              <a:ext uri="{FF2B5EF4-FFF2-40B4-BE49-F238E27FC236}">
+                <a16:creationId xmlns:a16="http://schemas.microsoft.com/office/drawing/2014/main" id="{6D394F44-0111-47AA-805D-413BDE8FC1B3}"/>
+              </a:ext>
+            </a:extLst>
+          </p:cNvPr>
+          <p:cNvPicPr>
+            <a:picLocks noChangeAspect="1" noChangeArrowheads="1"/>
+          </p:cNvPicPr>
+          <p:nvPr/>
+        </p:nvPicPr>
+        <p:blipFill>
+          <a:blip r:embed="rId4">
+            <a:extLst>
+              <a:ext uri="{28A0092B-C50C-407E-A947-70E740481C1C}">
+                <a14:useLocalDpi xmlns:a14="http://schemas.microsoft.com/office/drawing/2010/main" val="0"/>
+              </a:ext>
+            </a:extLst>
+          </a:blip>
+          <a:srcRect/>
+          <a:stretch>
+            <a:fillRect/>
+          </a:stretch>
+        </p:blipFill>
+        <p:spPr bwMode="auto">
+          <a:xfrm>
+            <a:off x="5670550" y="2032503"/>
+            <a:ext cx="2400300" cy="3609975"/>
+          </a:xfrm>
+          <a:prstGeom prst="rect">
+            <a:avLst/>
+          </a:prstGeom>
+          <a:noFill/>
+          <a:extLst>
+            <a:ext uri="{909E8E84-426E-40DD-AFC4-6F175D3DCCD1}">
+              <a14:hiddenFill xmlns:a14="http://schemas.microsoft.com/office/drawing/2010/main">
+                <a:solidFill>
+                  <a:srgbClr val="FFFFFF"/>
+                </a:solidFill>
+              </a14:hiddenFill>
+            </a:ext>
+          </a:extLst>
+        </p:spPr>
+      </p:pic>
     </p:spTree>
     <p:extLst>
       <p:ext uri="{BB962C8B-B14F-4D97-AF65-F5344CB8AC3E}">
@@ -15617,7 +16402,7 @@
         </p:blipFill>
         <p:spPr bwMode="auto">
           <a:xfrm>
-            <a:off x="6087146" y="640080"/>
+            <a:off x="7524404" y="645106"/>
             <a:ext cx="4018371" cy="5252773"/>
           </a:xfrm>
           <a:prstGeom prst="rect">
@@ -15894,6 +16679,53 @@
           </a:p>
         </p:txBody>
       </p:sp>
+      <p:pic>
+        <p:nvPicPr>
+          <p:cNvPr id="7170" name="Picture 2" descr="https://www.dendroapp.frec.vt.edu/VT_Assets/Fact_Sheets/images/Quercus%20montana/fruit1.jpg">
+            <a:extLst>
+              <a:ext uri="{FF2B5EF4-FFF2-40B4-BE49-F238E27FC236}">
+                <a16:creationId xmlns:a16="http://schemas.microsoft.com/office/drawing/2014/main" id="{F778D87C-F74A-4BBC-BEF2-6F0396AD7951}"/>
+              </a:ext>
+            </a:extLst>
+          </p:cNvPr>
+          <p:cNvPicPr>
+            <a:picLocks noChangeAspect="1" noChangeArrowheads="1"/>
+          </p:cNvPicPr>
+          <p:nvPr/>
+        </p:nvPicPr>
+        <p:blipFill>
+          <a:blip r:embed="rId4">
+            <a:extLst>
+              <a:ext uri="{28A0092B-C50C-407E-A947-70E740481C1C}">
+                <a14:useLocalDpi xmlns:a14="http://schemas.microsoft.com/office/drawing/2010/main" val="0"/>
+              </a:ext>
+            </a:extLst>
+          </a:blip>
+          <a:srcRect/>
+          <a:stretch>
+            <a:fillRect/>
+          </a:stretch>
+        </p:blipFill>
+        <p:spPr bwMode="auto">
+          <a:xfrm>
+            <a:off x="4667597" y="1763713"/>
+            <a:ext cx="2400300" cy="3609975"/>
+          </a:xfrm>
+          <a:prstGeom prst="rect">
+            <a:avLst/>
+          </a:prstGeom>
+          <a:noFill/>
+          <a:extLst>
+            <a:ext uri="{909E8E84-426E-40DD-AFC4-6F175D3DCCD1}">
+              <a14:hiddenFill xmlns:a14="http://schemas.microsoft.com/office/drawing/2010/main">
+                <a:solidFill>
+                  <a:srgbClr val="FFFFFF"/>
+                </a:solidFill>
+              </a14:hiddenFill>
+            </a:ext>
+          </a:extLst>
+        </p:spPr>
+      </p:pic>
     </p:spTree>
     <p:extLst>
       <p:ext uri="{BB962C8B-B14F-4D97-AF65-F5344CB8AC3E}">
@@ -16207,7 +17039,7 @@
         </p:blipFill>
         <p:spPr bwMode="auto">
           <a:xfrm>
-            <a:off x="7072854" y="645106"/>
+            <a:off x="8273625" y="645106"/>
             <a:ext cx="3489751" cy="5247747"/>
           </a:xfrm>
           <a:prstGeom prst="rect">
@@ -16484,6 +17316,53 @@
           </a:p>
         </p:txBody>
       </p:sp>
+      <p:pic>
+        <p:nvPicPr>
+          <p:cNvPr id="8196" name="Picture 4" descr="https://www.dendroapp.frec.vt.edu/VT_Assets/Fact_Sheets/images/Quercus%20rubra/fruit1.jpg">
+            <a:extLst>
+              <a:ext uri="{FF2B5EF4-FFF2-40B4-BE49-F238E27FC236}">
+                <a16:creationId xmlns:a16="http://schemas.microsoft.com/office/drawing/2014/main" id="{5AAF5DB9-6FE4-4A75-A538-4EAE7C3D642E}"/>
+              </a:ext>
+            </a:extLst>
+          </p:cNvPr>
+          <p:cNvPicPr>
+            <a:picLocks noChangeAspect="1" noChangeArrowheads="1"/>
+          </p:cNvPicPr>
+          <p:nvPr/>
+        </p:nvPicPr>
+        <p:blipFill>
+          <a:blip r:embed="rId4">
+            <a:extLst>
+              <a:ext uri="{28A0092B-C50C-407E-A947-70E740481C1C}">
+                <a14:useLocalDpi xmlns:a14="http://schemas.microsoft.com/office/drawing/2010/main" val="0"/>
+              </a:ext>
+            </a:extLst>
+          </a:blip>
+          <a:srcRect/>
+          <a:stretch>
+            <a:fillRect/>
+          </a:stretch>
+        </p:blipFill>
+        <p:spPr bwMode="auto">
+          <a:xfrm>
+            <a:off x="5710896" y="1802973"/>
+            <a:ext cx="2400300" cy="3143250"/>
+          </a:xfrm>
+          <a:prstGeom prst="rect">
+            <a:avLst/>
+          </a:prstGeom>
+          <a:noFill/>
+          <a:extLst>
+            <a:ext uri="{909E8E84-426E-40DD-AFC4-6F175D3DCCD1}">
+              <a14:hiddenFill xmlns:a14="http://schemas.microsoft.com/office/drawing/2010/main">
+                <a:solidFill>
+                  <a:srgbClr val="FFFFFF"/>
+                </a:solidFill>
+              </a14:hiddenFill>
+            </a:ext>
+          </a:extLst>
+        </p:spPr>
+      </p:pic>
     </p:spTree>
     <p:extLst>
       <p:ext uri="{BB962C8B-B14F-4D97-AF65-F5344CB8AC3E}">
@@ -16787,7 +17666,7 @@
         </p:blipFill>
         <p:spPr bwMode="auto">
           <a:xfrm>
-            <a:off x="6349784" y="640080"/>
+            <a:off x="7892497" y="640080"/>
             <a:ext cx="3493094" cy="5252773"/>
           </a:xfrm>
           <a:prstGeom prst="rect">
@@ -17064,6 +17943,53 @@
           </a:p>
         </p:txBody>
       </p:sp>
+      <p:pic>
+        <p:nvPicPr>
+          <p:cNvPr id="9218" name="Picture 2" descr="https://www.dendroapp.frec.vt.edu/VT_Assets/Fact_Sheets/images/Quercus%20stellata/fruit1.jpg">
+            <a:extLst>
+              <a:ext uri="{FF2B5EF4-FFF2-40B4-BE49-F238E27FC236}">
+                <a16:creationId xmlns:a16="http://schemas.microsoft.com/office/drawing/2014/main" id="{B0B64952-3487-4724-A1D3-3658237D429C}"/>
+              </a:ext>
+            </a:extLst>
+          </p:cNvPr>
+          <p:cNvPicPr>
+            <a:picLocks noChangeAspect="1" noChangeArrowheads="1"/>
+          </p:cNvPicPr>
+          <p:nvPr/>
+        </p:nvPicPr>
+        <p:blipFill>
+          <a:blip r:embed="rId4">
+            <a:extLst>
+              <a:ext uri="{28A0092B-C50C-407E-A947-70E740481C1C}">
+                <a14:useLocalDpi xmlns:a14="http://schemas.microsoft.com/office/drawing/2010/main" val="0"/>
+              </a:ext>
+            </a:extLst>
+          </a:blip>
+          <a:srcRect/>
+          <a:stretch>
+            <a:fillRect/>
+          </a:stretch>
+        </p:blipFill>
+        <p:spPr bwMode="auto">
+          <a:xfrm>
+            <a:off x="4895850" y="1752600"/>
+            <a:ext cx="2400300" cy="3352800"/>
+          </a:xfrm>
+          <a:prstGeom prst="rect">
+            <a:avLst/>
+          </a:prstGeom>
+          <a:noFill/>
+          <a:extLst>
+            <a:ext uri="{909E8E84-426E-40DD-AFC4-6F175D3DCCD1}">
+              <a14:hiddenFill xmlns:a14="http://schemas.microsoft.com/office/drawing/2010/main">
+                <a:solidFill>
+                  <a:srgbClr val="FFFFFF"/>
+                </a:solidFill>
+              </a14:hiddenFill>
+            </a:ext>
+          </a:extLst>
+        </p:spPr>
+      </p:pic>
     </p:spTree>
     <p:extLst>
       <p:ext uri="{BB962C8B-B14F-4D97-AF65-F5344CB8AC3E}">
@@ -17389,7 +18315,7 @@
         </p:blipFill>
         <p:spPr bwMode="auto">
           <a:xfrm>
-            <a:off x="7072854" y="645106"/>
+            <a:off x="8273625" y="406345"/>
             <a:ext cx="3489751" cy="5247747"/>
           </a:xfrm>
           <a:prstGeom prst="rect">
@@ -17713,6 +18639,53 @@
           </a:extLst>
         </p:spPr>
       </p:pic>
+      <p:pic>
+        <p:nvPicPr>
+          <p:cNvPr id="5" name="Picture 2" descr="https://www.dendroapp.frec.vt.edu/VT_Assets/Fact_Sheets/images/Quercus%20velutina/fruit1.jpg">
+            <a:extLst>
+              <a:ext uri="{FF2B5EF4-FFF2-40B4-BE49-F238E27FC236}">
+                <a16:creationId xmlns:a16="http://schemas.microsoft.com/office/drawing/2014/main" id="{08FB48D5-45BB-48B3-B23A-5E6FB69186A0}"/>
+              </a:ext>
+            </a:extLst>
+          </p:cNvPr>
+          <p:cNvPicPr>
+            <a:picLocks noChangeAspect="1" noChangeArrowheads="1"/>
+          </p:cNvPicPr>
+          <p:nvPr/>
+        </p:nvPicPr>
+        <p:blipFill>
+          <a:blip r:embed="rId5">
+            <a:extLst>
+              <a:ext uri="{28A0092B-C50C-407E-A947-70E740481C1C}">
+                <a14:useLocalDpi xmlns:a14="http://schemas.microsoft.com/office/drawing/2010/main" val="0"/>
+              </a:ext>
+            </a:extLst>
+          </a:blip>
+          <a:srcRect/>
+          <a:stretch>
+            <a:fillRect/>
+          </a:stretch>
+        </p:blipFill>
+        <p:spPr bwMode="auto">
+          <a:xfrm>
+            <a:off x="5903992" y="2804326"/>
+            <a:ext cx="2011134" cy="3088527"/>
+          </a:xfrm>
+          <a:prstGeom prst="rect">
+            <a:avLst/>
+          </a:prstGeom>
+          <a:noFill/>
+          <a:extLst>
+            <a:ext uri="{909E8E84-426E-40DD-AFC4-6F175D3DCCD1}">
+              <a14:hiddenFill xmlns:a14="http://schemas.microsoft.com/office/drawing/2010/main">
+                <a:solidFill>
+                  <a:srgbClr val="FFFFFF"/>
+                </a:solidFill>
+              </a14:hiddenFill>
+            </a:ext>
+          </a:extLst>
+        </p:spPr>
+      </p:pic>
     </p:spTree>
     <p:extLst>
       <p:ext uri="{BB962C8B-B14F-4D97-AF65-F5344CB8AC3E}">
@@ -17729,6 +18702,32 @@
 <file path=ppt/slides/slide56.xml><?xml version="1.0" encoding="utf-8"?>
 <p:sld xmlns:a="http://schemas.openxmlformats.org/drawingml/2006/main" xmlns:r="http://schemas.openxmlformats.org/officeDocument/2006/relationships" xmlns:p="http://schemas.openxmlformats.org/presentationml/2006/main">
   <p:cSld>
+    <p:bg>
+      <p:bgPr>
+        <a:gradFill rotWithShape="1">
+          <a:gsLst>
+            <a:gs pos="0">
+              <a:schemeClr val="bg2">
+                <a:tint val="90000"/>
+                <a:satMod val="92000"/>
+                <a:lumMod val="120000"/>
+              </a:schemeClr>
+            </a:gs>
+            <a:gs pos="100000">
+              <a:schemeClr val="bg2">
+                <a:shade val="98000"/>
+                <a:satMod val="120000"/>
+                <a:lumMod val="98000"/>
+              </a:schemeClr>
+            </a:gs>
+          </a:gsLst>
+          <a:path path="circle">
+            <a:fillToRect l="50000" t="50000" r="100000" b="100000"/>
+          </a:path>
+        </a:gradFill>
+        <a:effectLst/>
+      </p:bgPr>
+    </p:bg>
     <p:spTree>
       <p:nvGrpSpPr>
         <p:cNvPr id="1" name=""/>
@@ -17743,6 +18742,66 @@
           <a:chExt cx="0" cy="0"/>
         </a:xfrm>
       </p:grpSpPr>
+      <p:sp useBgFill="1">
+        <p:nvSpPr>
+          <p:cNvPr id="71" name="Rectangle 70">
+            <a:extLst>
+              <a:ext uri="{FF2B5EF4-FFF2-40B4-BE49-F238E27FC236}">
+                <a16:creationId xmlns:a16="http://schemas.microsoft.com/office/drawing/2014/main" id="{3419E28B-721B-4D0D-A1D3-78EAC57253AF}"/>
+              </a:ext>
+              <a:ext uri="{C183D7F6-B498-43B3-948B-1728B52AA6E4}">
+                <adec:decorative xmlns:adec="http://schemas.microsoft.com/office/drawing/2017/decorative" val="1"/>
+              </a:ext>
+            </a:extLst>
+          </p:cNvPr>
+          <p:cNvSpPr>
+            <a:spLocks noGrp="1" noRot="1" noChangeAspect="1" noMove="1" noResize="1" noEditPoints="1" noAdjustHandles="1" noChangeArrowheads="1" noChangeShapeType="1" noTextEdit="1"/>
+          </p:cNvSpPr>
+          <p:nvPr>
+            <p:extLst>
+              <p:ext uri="{386F3935-93C4-4BCD-93E2-E3B085C9AB24}">
+                <p16:designElem xmlns:p16="http://schemas.microsoft.com/office/powerpoint/2015/main" val="1"/>
+              </p:ext>
+            </p:extLst>
+          </p:nvPr>
+        </p:nvSpPr>
+        <p:spPr>
+          <a:xfrm>
+            <a:off x="0" y="-786"/>
+            <a:ext cx="12192000" cy="6854038"/>
+          </a:xfrm>
+          <a:prstGeom prst="rect">
+            <a:avLst/>
+          </a:prstGeom>
+          <a:ln>
+            <a:noFill/>
+          </a:ln>
+        </p:spPr>
+        <p:style>
+          <a:lnRef idx="2">
+            <a:schemeClr val="accent1">
+              <a:shade val="50000"/>
+            </a:schemeClr>
+          </a:lnRef>
+          <a:fillRef idx="1">
+            <a:schemeClr val="accent1"/>
+          </a:fillRef>
+          <a:effectRef idx="0">
+            <a:schemeClr val="accent1"/>
+          </a:effectRef>
+          <a:fontRef idx="minor">
+            <a:schemeClr val="lt1"/>
+          </a:fontRef>
+        </p:style>
+        <p:txBody>
+          <a:bodyPr rtlCol="0" anchor="ctr"/>
+          <a:lstStyle/>
+          <a:p>
+            <a:pPr algn="ctr"/>
+            <a:endParaRPr lang="en-US"/>
+          </a:p>
+        </p:txBody>
+      </p:sp>
       <p:sp>
         <p:nvSpPr>
           <p:cNvPr id="2" name="Title 1">
@@ -17759,9 +18818,16 @@
             <p:ph type="title"/>
           </p:nvPr>
         </p:nvSpPr>
-        <p:spPr/>
-        <p:txBody>
-          <a:bodyPr/>
+        <p:spPr>
+          <a:xfrm>
+            <a:off x="649224" y="645106"/>
+            <a:ext cx="5122652" cy="1259894"/>
+          </a:xfrm>
+        </p:spPr>
+        <p:txBody>
+          <a:bodyPr>
+            <a:normAutofit/>
+          </a:bodyPr>
           <a:lstStyle/>
           <a:p>
             <a:r>
@@ -17770,6 +18836,60 @@
             </a:r>
           </a:p>
         </p:txBody>
+      </p:sp>
+      <p:sp>
+        <p:nvSpPr>
+          <p:cNvPr id="73" name="Rectangle 72">
+            <a:extLst>
+              <a:ext uri="{FF2B5EF4-FFF2-40B4-BE49-F238E27FC236}">
+                <a16:creationId xmlns:a16="http://schemas.microsoft.com/office/drawing/2014/main" id="{359E45B9-0D24-465E-84AD-FEDBA836B569}"/>
+              </a:ext>
+              <a:ext uri="{C183D7F6-B498-43B3-948B-1728B52AA6E4}">
+                <adec:decorative xmlns:adec="http://schemas.microsoft.com/office/drawing/2017/decorative" val="1"/>
+              </a:ext>
+            </a:extLst>
+          </p:cNvPr>
+          <p:cNvSpPr>
+            <a:spLocks noGrp="1" noRot="1" noChangeAspect="1" noMove="1" noResize="1" noEditPoints="1" noAdjustHandles="1" noChangeArrowheads="1" noChangeShapeType="1" noTextEdit="1"/>
+          </p:cNvSpPr>
+          <p:nvPr>
+            <p:extLst>
+              <p:ext uri="{386F3935-93C4-4BCD-93E2-E3B085C9AB24}">
+                <p16:designElem xmlns:p16="http://schemas.microsoft.com/office/powerpoint/2015/main" val="1"/>
+              </p:ext>
+            </p:extLst>
+          </p:nvPr>
+        </p:nvSpPr>
+        <p:spPr>
+          <a:xfrm>
+            <a:off x="0" y="0"/>
+            <a:ext cx="182880" cy="6858000"/>
+          </a:xfrm>
+          <a:prstGeom prst="rect">
+            <a:avLst/>
+          </a:prstGeom>
+          <a:solidFill>
+            <a:schemeClr val="tx2"/>
+          </a:solidFill>
+          <a:ln>
+            <a:noFill/>
+          </a:ln>
+          <a:effectLst/>
+        </p:spPr>
+        <p:style>
+          <a:lnRef idx="1">
+            <a:schemeClr val="accent1"/>
+          </a:lnRef>
+          <a:fillRef idx="3">
+            <a:schemeClr val="accent1"/>
+          </a:fillRef>
+          <a:effectRef idx="2">
+            <a:schemeClr val="accent1"/>
+          </a:effectRef>
+          <a:fontRef idx="minor">
+            <a:schemeClr val="lt1"/>
+          </a:fontRef>
+        </p:style>
       </p:sp>
       <p:sp>
         <p:nvSpPr>
@@ -17787,12 +18907,406 @@
             <p:ph idx="1"/>
           </p:nvPr>
         </p:nvSpPr>
-        <p:spPr/>
-        <p:txBody>
-          <a:bodyPr/>
-          <a:lstStyle/>
-          <a:p>
+        <p:spPr>
+          <a:xfrm>
+            <a:off x="649225" y="2133600"/>
+            <a:ext cx="5122652" cy="3759253"/>
+          </a:xfrm>
+        </p:spPr>
+        <p:txBody>
+          <a:bodyPr>
+            <a:normAutofit/>
+          </a:bodyPr>
+          <a:lstStyle/>
+          <a:p>
+            <a:r>
+              <a:rPr lang="en-US" dirty="0"/>
+              <a:t>INVASIVE</a:t>
+            </a:r>
+          </a:p>
+          <a:p>
+            <a:r>
+              <a:rPr lang="en-US" dirty="0"/>
+              <a:t>Can grow to dense thickets</a:t>
+            </a:r>
+          </a:p>
+          <a:p>
+            <a:r>
+              <a:rPr lang="en-US" dirty="0"/>
+              <a:t>White flowers with yellow center</a:t>
+            </a:r>
+          </a:p>
+          <a:p>
+            <a:r>
+              <a:rPr lang="en-US" dirty="0"/>
+              <a:t>Alternate, pinnately compound</a:t>
+            </a:r>
+          </a:p>
+          <a:p>
+            <a:pPr lvl="1"/>
+            <a:r>
+              <a:rPr lang="en-US" dirty="0"/>
+              <a:t>Thorns curve up like scythe, will hook on to clothing and skin</a:t>
+            </a:r>
+          </a:p>
+          <a:p>
+            <a:pPr lvl="1"/>
+            <a:r>
+              <a:rPr lang="en-US" dirty="0"/>
+              <a:t>5-11 serrated leaflets</a:t>
+            </a:r>
+          </a:p>
+        </p:txBody>
+      </p:sp>
+      <p:pic>
+        <p:nvPicPr>
+          <p:cNvPr id="17410" name="Picture 2" descr="https://www.dendroapp.frec.vt.edu/VT_Assets/Fact_Sheets/images/Rosa%20multiflora/leaf1.jpg">
+            <a:extLst>
+              <a:ext uri="{FF2B5EF4-FFF2-40B4-BE49-F238E27FC236}">
+                <a16:creationId xmlns:a16="http://schemas.microsoft.com/office/drawing/2014/main" id="{9CDD8297-DF0D-431E-9A95-F34814FF933E}"/>
+              </a:ext>
+            </a:extLst>
+          </p:cNvPr>
+          <p:cNvPicPr>
+            <a:picLocks noChangeAspect="1" noChangeArrowheads="1"/>
+          </p:cNvPicPr>
+          <p:nvPr/>
+        </p:nvPicPr>
+        <p:blipFill>
+          <a:blip r:embed="rId2">
+            <a:extLst>
+              <a:ext uri="{28A0092B-C50C-407E-A947-70E740481C1C}">
+                <a14:useLocalDpi xmlns:a14="http://schemas.microsoft.com/office/drawing/2010/main" val="0"/>
+              </a:ext>
+            </a:extLst>
+          </a:blip>
+          <a:stretch>
+            <a:fillRect/>
+          </a:stretch>
+        </p:blipFill>
+        <p:spPr bwMode="auto">
+          <a:xfrm>
+            <a:off x="7344578" y="449036"/>
+            <a:ext cx="4198197" cy="5247747"/>
+          </a:xfrm>
+          <a:prstGeom prst="rect">
+            <a:avLst/>
+          </a:prstGeom>
+          <a:noFill/>
+          <a:extLst>
+            <a:ext uri="{909E8E84-426E-40DD-AFC4-6F175D3DCCD1}">
+              <a14:hiddenFill xmlns:a14="http://schemas.microsoft.com/office/drawing/2010/main">
+                <a:solidFill>
+                  <a:srgbClr val="FFFFFF"/>
+                </a:solidFill>
+              </a14:hiddenFill>
+            </a:ext>
+          </a:extLst>
+        </p:spPr>
+      </p:pic>
+      <p:sp>
+        <p:nvSpPr>
+          <p:cNvPr id="75" name="Freeform 12">
+            <a:extLst>
+              <a:ext uri="{FF2B5EF4-FFF2-40B4-BE49-F238E27FC236}">
+                <a16:creationId xmlns:a16="http://schemas.microsoft.com/office/drawing/2014/main" id="{1F36A2FB-17CD-4DA6-9D8A-BFD6ADF6A321}"/>
+              </a:ext>
+              <a:ext uri="{C183D7F6-B498-43B3-948B-1728B52AA6E4}">
+                <adec:decorative xmlns:adec="http://schemas.microsoft.com/office/drawing/2017/decorative" val="1"/>
+              </a:ext>
+            </a:extLst>
+          </p:cNvPr>
+          <p:cNvSpPr>
+            <a:spLocks noGrp="1" noRot="1" noChangeAspect="1" noMove="1" noResize="1" noEditPoints="1" noAdjustHandles="1" noChangeArrowheads="1" noChangeShapeType="1" noTextEdit="1"/>
+          </p:cNvSpPr>
+          <p:nvPr>
+            <p:extLst>
+              <p:ext uri="{386F3935-93C4-4BCD-93E2-E3B085C9AB24}">
+                <p16:designElem xmlns:p16="http://schemas.microsoft.com/office/powerpoint/2015/main" val="1"/>
+              </p:ext>
+            </p:extLst>
+          </p:nvPr>
+        </p:nvSpPr>
+        <p:spPr>
+          <a:xfrm>
+            <a:off x="-1" y="6061223"/>
+            <a:ext cx="1038036" cy="506277"/>
+          </a:xfrm>
+          <a:custGeom>
+            <a:avLst/>
+            <a:gdLst>
+              <a:gd name="connsiteX0" fmla="*/ 0 w 1038036"/>
+              <a:gd name="connsiteY0" fmla="*/ 0 h 506277"/>
+              <a:gd name="connsiteX1" fmla="*/ 182880 w 1038036"/>
+              <a:gd name="connsiteY1" fmla="*/ 0 h 506277"/>
+              <a:gd name="connsiteX2" fmla="*/ 291705 w 1038036"/>
+              <a:gd name="connsiteY2" fmla="*/ 0 h 506277"/>
+              <a:gd name="connsiteX3" fmla="*/ 291705 w 1038036"/>
+              <a:gd name="connsiteY3" fmla="*/ 151 h 506277"/>
+              <a:gd name="connsiteX4" fmla="*/ 692049 w 1038036"/>
+              <a:gd name="connsiteY4" fmla="*/ 705 h 506277"/>
+              <a:gd name="connsiteX5" fmla="*/ 782744 w 1038036"/>
+              <a:gd name="connsiteY5" fmla="*/ 705 h 506277"/>
+              <a:gd name="connsiteX6" fmla="*/ 797001 w 1038036"/>
+              <a:gd name="connsiteY6" fmla="*/ 5473 h 506277"/>
+              <a:gd name="connsiteX7" fmla="*/ 801982 w 1038036"/>
+              <a:gd name="connsiteY7" fmla="*/ 10242 h 506277"/>
+              <a:gd name="connsiteX8" fmla="*/ 1030951 w 1038036"/>
+              <a:gd name="connsiteY8" fmla="*/ 239185 h 506277"/>
+              <a:gd name="connsiteX9" fmla="*/ 1030951 w 1038036"/>
+              <a:gd name="connsiteY9" fmla="*/ 267797 h 506277"/>
+              <a:gd name="connsiteX10" fmla="*/ 801982 w 1038036"/>
+              <a:gd name="connsiteY10" fmla="*/ 496740 h 506277"/>
+              <a:gd name="connsiteX11" fmla="*/ 797001 w 1038036"/>
+              <a:gd name="connsiteY11" fmla="*/ 501508 h 506277"/>
+              <a:gd name="connsiteX12" fmla="*/ 782744 w 1038036"/>
+              <a:gd name="connsiteY12" fmla="*/ 506277 h 506277"/>
+              <a:gd name="connsiteX13" fmla="*/ 692049 w 1038036"/>
+              <a:gd name="connsiteY13" fmla="*/ 506277 h 506277"/>
+              <a:gd name="connsiteX14" fmla="*/ 291705 w 1038036"/>
+              <a:gd name="connsiteY14" fmla="*/ 505140 h 506277"/>
+              <a:gd name="connsiteX15" fmla="*/ 291705 w 1038036"/>
+              <a:gd name="connsiteY15" fmla="*/ 506277 h 506277"/>
+              <a:gd name="connsiteX16" fmla="*/ 0 w 1038036"/>
+              <a:gd name="connsiteY16" fmla="*/ 506277 h 506277"/>
+            </a:gdLst>
+            <a:ahLst/>
+            <a:cxnLst>
+              <a:cxn ang="0">
+                <a:pos x="connsiteX0" y="connsiteY0"/>
+              </a:cxn>
+              <a:cxn ang="0">
+                <a:pos x="connsiteX1" y="connsiteY1"/>
+              </a:cxn>
+              <a:cxn ang="0">
+                <a:pos x="connsiteX2" y="connsiteY2"/>
+              </a:cxn>
+              <a:cxn ang="0">
+                <a:pos x="connsiteX3" y="connsiteY3"/>
+              </a:cxn>
+              <a:cxn ang="0">
+                <a:pos x="connsiteX4" y="connsiteY4"/>
+              </a:cxn>
+              <a:cxn ang="0">
+                <a:pos x="connsiteX5" y="connsiteY5"/>
+              </a:cxn>
+              <a:cxn ang="0">
+                <a:pos x="connsiteX6" y="connsiteY6"/>
+              </a:cxn>
+              <a:cxn ang="0">
+                <a:pos x="connsiteX7" y="connsiteY7"/>
+              </a:cxn>
+              <a:cxn ang="0">
+                <a:pos x="connsiteX8" y="connsiteY8"/>
+              </a:cxn>
+              <a:cxn ang="0">
+                <a:pos x="connsiteX9" y="connsiteY9"/>
+              </a:cxn>
+              <a:cxn ang="0">
+                <a:pos x="connsiteX10" y="connsiteY10"/>
+              </a:cxn>
+              <a:cxn ang="0">
+                <a:pos x="connsiteX11" y="connsiteY11"/>
+              </a:cxn>
+              <a:cxn ang="0">
+                <a:pos x="connsiteX12" y="connsiteY12"/>
+              </a:cxn>
+              <a:cxn ang="0">
+                <a:pos x="connsiteX13" y="connsiteY13"/>
+              </a:cxn>
+              <a:cxn ang="0">
+                <a:pos x="connsiteX14" y="connsiteY14"/>
+              </a:cxn>
+              <a:cxn ang="0">
+                <a:pos x="connsiteX15" y="connsiteY15"/>
+              </a:cxn>
+              <a:cxn ang="0">
+                <a:pos x="connsiteX16" y="connsiteY16"/>
+              </a:cxn>
+            </a:cxnLst>
+            <a:rect l="l" t="t" r="r" b="b"/>
+            <a:pathLst>
+              <a:path w="1038036" h="506277">
+                <a:moveTo>
+                  <a:pt x="0" y="0"/>
+                </a:moveTo>
+                <a:lnTo>
+                  <a:pt x="182880" y="0"/>
+                </a:lnTo>
+                <a:lnTo>
+                  <a:pt x="291705" y="0"/>
+                </a:lnTo>
+                <a:lnTo>
+                  <a:pt x="291705" y="151"/>
+                </a:lnTo>
+                <a:lnTo>
+                  <a:pt x="692049" y="705"/>
+                </a:lnTo>
+                <a:lnTo>
+                  <a:pt x="782744" y="705"/>
+                </a:lnTo>
+                <a:cubicBezTo>
+                  <a:pt x="787553" y="705"/>
+                  <a:pt x="792363" y="5473"/>
+                  <a:pt x="797001" y="5473"/>
+                </a:cubicBezTo>
+                <a:cubicBezTo>
+                  <a:pt x="797001" y="10242"/>
+                  <a:pt x="801982" y="10242"/>
+                  <a:pt x="801982" y="10242"/>
+                </a:cubicBezTo>
+                <a:lnTo>
+                  <a:pt x="1030951" y="239185"/>
+                </a:lnTo>
+                <a:cubicBezTo>
+                  <a:pt x="1040398" y="248722"/>
+                  <a:pt x="1040398" y="258259"/>
+                  <a:pt x="1030951" y="267797"/>
+                </a:cubicBezTo>
+                <a:lnTo>
+                  <a:pt x="801982" y="496740"/>
+                </a:lnTo>
+                <a:cubicBezTo>
+                  <a:pt x="800436" y="498363"/>
+                  <a:pt x="798547" y="499885"/>
+                  <a:pt x="797001" y="501508"/>
+                </a:cubicBezTo>
+                <a:cubicBezTo>
+                  <a:pt x="792363" y="506277"/>
+                  <a:pt x="787553" y="506277"/>
+                  <a:pt x="782744" y="506277"/>
+                </a:cubicBezTo>
+                <a:lnTo>
+                  <a:pt x="692049" y="506277"/>
+                </a:lnTo>
+                <a:lnTo>
+                  <a:pt x="291705" y="505140"/>
+                </a:lnTo>
+                <a:lnTo>
+                  <a:pt x="291705" y="506277"/>
+                </a:lnTo>
+                <a:lnTo>
+                  <a:pt x="0" y="506277"/>
+                </a:lnTo>
+                <a:close/>
+              </a:path>
+            </a:pathLst>
+          </a:custGeom>
+          <a:ln>
+            <a:noFill/>
+          </a:ln>
+        </p:spPr>
+        <p:style>
+          <a:lnRef idx="2">
+            <a:schemeClr val="accent1">
+              <a:shade val="50000"/>
+            </a:schemeClr>
+          </a:lnRef>
+          <a:fillRef idx="1">
+            <a:schemeClr val="accent1"/>
+          </a:fillRef>
+          <a:effectRef idx="0">
+            <a:schemeClr val="accent1"/>
+          </a:effectRef>
+          <a:fontRef idx="minor">
+            <a:schemeClr val="lt1"/>
+          </a:fontRef>
+        </p:style>
+        <p:txBody>
+          <a:bodyPr rtlCol="0" anchor="ctr"/>
+          <a:lstStyle/>
+          <a:p>
+            <a:pPr algn="ctr"/>
             <a:endParaRPr lang="en-US"/>
+          </a:p>
+        </p:txBody>
+      </p:sp>
+      <p:pic>
+        <p:nvPicPr>
+          <p:cNvPr id="17412" name="Picture 4" descr="https://www.dendroapp.frec.vt.edu/VT_Assets/Fact_Sheets/images/Rosa%20multiflora/flower1.jpg">
+            <a:extLst>
+              <a:ext uri="{FF2B5EF4-FFF2-40B4-BE49-F238E27FC236}">
+                <a16:creationId xmlns:a16="http://schemas.microsoft.com/office/drawing/2014/main" id="{1B1047A4-E25C-4652-A5EF-DDF5A8894C72}"/>
+              </a:ext>
+            </a:extLst>
+          </p:cNvPr>
+          <p:cNvPicPr>
+            <a:picLocks noChangeAspect="1" noChangeArrowheads="1"/>
+          </p:cNvPicPr>
+          <p:nvPr/>
+        </p:nvPicPr>
+        <p:blipFill>
+          <a:blip r:embed="rId3">
+            <a:extLst>
+              <a:ext uri="{28A0092B-C50C-407E-A947-70E740481C1C}">
+                <a14:useLocalDpi xmlns:a14="http://schemas.microsoft.com/office/drawing/2010/main" val="0"/>
+              </a:ext>
+            </a:extLst>
+          </a:blip>
+          <a:srcRect/>
+          <a:stretch>
+            <a:fillRect/>
+          </a:stretch>
+        </p:blipFill>
+        <p:spPr bwMode="auto">
+          <a:xfrm>
+            <a:off x="5108332" y="449036"/>
+            <a:ext cx="1864507" cy="2977197"/>
+          </a:xfrm>
+          <a:prstGeom prst="rect">
+            <a:avLst/>
+          </a:prstGeom>
+          <a:noFill/>
+          <a:extLst>
+            <a:ext uri="{909E8E84-426E-40DD-AFC4-6F175D3DCCD1}">
+              <a14:hiddenFill xmlns:a14="http://schemas.microsoft.com/office/drawing/2010/main">
+                <a:solidFill>
+                  <a:srgbClr val="FFFFFF"/>
+                </a:solidFill>
+              </a14:hiddenFill>
+            </a:ext>
+          </a:extLst>
+        </p:spPr>
+      </p:pic>
+      <p:sp>
+        <p:nvSpPr>
+          <p:cNvPr id="4" name="TextBox 3">
+            <a:extLst>
+              <a:ext uri="{FF2B5EF4-FFF2-40B4-BE49-F238E27FC236}">
+                <a16:creationId xmlns:a16="http://schemas.microsoft.com/office/drawing/2014/main" id="{824C92FA-6C18-47E3-98C7-5CE89748F4DD}"/>
+              </a:ext>
+            </a:extLst>
+          </p:cNvPr>
+          <p:cNvSpPr txBox="1"/>
+          <p:nvPr/>
+        </p:nvSpPr>
+        <p:spPr>
+          <a:xfrm>
+            <a:off x="6678386" y="5892853"/>
+            <a:ext cx="4864389" cy="415498"/>
+          </a:xfrm>
+          <a:prstGeom prst="rect">
+            <a:avLst/>
+          </a:prstGeom>
+          <a:noFill/>
+        </p:spPr>
+        <p:txBody>
+          <a:bodyPr wrap="square" rtlCol="0">
+            <a:spAutoFit/>
+          </a:bodyPr>
+          <a:lstStyle/>
+          <a:p>
+            <a:r>
+              <a:rPr lang="en-US" sz="1000" dirty="0"/>
+              <a:t>Source: </a:t>
+            </a:r>
+            <a:r>
+              <a:rPr lang="en-US" sz="1000" dirty="0">
+                <a:hlinkClick r:id="rId4"/>
+              </a:rPr>
+              <a:t>http://dendro.cnre.vt.edu/dendrology/syllabus/factsheet.cfm?ID=151</a:t>
+            </a:r>
+            <a:endParaRPr lang="en-US" sz="1000" dirty="0"/>
           </a:p>
         </p:txBody>
       </p:sp>
@@ -17812,6 +19326,32 @@
 <file path=ppt/slides/slide57.xml><?xml version="1.0" encoding="utf-8"?>
 <p:sld xmlns:a="http://schemas.openxmlformats.org/drawingml/2006/main" xmlns:r="http://schemas.openxmlformats.org/officeDocument/2006/relationships" xmlns:p="http://schemas.openxmlformats.org/presentationml/2006/main">
   <p:cSld>
+    <p:bg>
+      <p:bgPr>
+        <a:gradFill rotWithShape="1">
+          <a:gsLst>
+            <a:gs pos="0">
+              <a:schemeClr val="bg2">
+                <a:tint val="90000"/>
+                <a:satMod val="92000"/>
+                <a:lumMod val="120000"/>
+              </a:schemeClr>
+            </a:gs>
+            <a:gs pos="100000">
+              <a:schemeClr val="bg2">
+                <a:shade val="98000"/>
+                <a:satMod val="120000"/>
+                <a:lumMod val="98000"/>
+              </a:schemeClr>
+            </a:gs>
+          </a:gsLst>
+          <a:path path="circle">
+            <a:fillToRect l="50000" t="50000" r="100000" b="100000"/>
+          </a:path>
+        </a:gradFill>
+        <a:effectLst/>
+      </p:bgPr>
+    </p:bg>
     <p:spTree>
       <p:nvGrpSpPr>
         <p:cNvPr id="1" name=""/>
@@ -17826,6 +19366,66 @@
           <a:chExt cx="0" cy="0"/>
         </a:xfrm>
       </p:grpSpPr>
+      <p:sp useBgFill="1">
+        <p:nvSpPr>
+          <p:cNvPr id="71" name="Rectangle 70">
+            <a:extLst>
+              <a:ext uri="{FF2B5EF4-FFF2-40B4-BE49-F238E27FC236}">
+                <a16:creationId xmlns:a16="http://schemas.microsoft.com/office/drawing/2014/main" id="{3419E28B-721B-4D0D-A1D3-78EAC57253AF}"/>
+              </a:ext>
+              <a:ext uri="{C183D7F6-B498-43B3-948B-1728B52AA6E4}">
+                <adec:decorative xmlns:adec="http://schemas.microsoft.com/office/drawing/2017/decorative" val="1"/>
+              </a:ext>
+            </a:extLst>
+          </p:cNvPr>
+          <p:cNvSpPr>
+            <a:spLocks noGrp="1" noRot="1" noChangeAspect="1" noMove="1" noResize="1" noEditPoints="1" noAdjustHandles="1" noChangeArrowheads="1" noChangeShapeType="1" noTextEdit="1"/>
+          </p:cNvSpPr>
+          <p:nvPr>
+            <p:extLst>
+              <p:ext uri="{386F3935-93C4-4BCD-93E2-E3B085C9AB24}">
+                <p16:designElem xmlns:p16="http://schemas.microsoft.com/office/powerpoint/2015/main" val="1"/>
+              </p:ext>
+            </p:extLst>
+          </p:nvPr>
+        </p:nvSpPr>
+        <p:spPr>
+          <a:xfrm>
+            <a:off x="0" y="-786"/>
+            <a:ext cx="12192000" cy="6854038"/>
+          </a:xfrm>
+          <a:prstGeom prst="rect">
+            <a:avLst/>
+          </a:prstGeom>
+          <a:ln>
+            <a:noFill/>
+          </a:ln>
+        </p:spPr>
+        <p:style>
+          <a:lnRef idx="2">
+            <a:schemeClr val="accent1">
+              <a:shade val="50000"/>
+            </a:schemeClr>
+          </a:lnRef>
+          <a:fillRef idx="1">
+            <a:schemeClr val="accent1"/>
+          </a:fillRef>
+          <a:effectRef idx="0">
+            <a:schemeClr val="accent1"/>
+          </a:effectRef>
+          <a:fontRef idx="minor">
+            <a:schemeClr val="lt1"/>
+          </a:fontRef>
+        </p:style>
+        <p:txBody>
+          <a:bodyPr rtlCol="0" anchor="ctr"/>
+          <a:lstStyle/>
+          <a:p>
+            <a:pPr algn="ctr"/>
+            <a:endParaRPr lang="en-US"/>
+          </a:p>
+        </p:txBody>
+      </p:sp>
       <p:sp>
         <p:nvSpPr>
           <p:cNvPr id="2" name="Title 1">
@@ -17842,9 +19442,16 @@
             <p:ph type="title"/>
           </p:nvPr>
         </p:nvSpPr>
-        <p:spPr/>
-        <p:txBody>
-          <a:bodyPr/>
+        <p:spPr>
+          <a:xfrm>
+            <a:off x="649224" y="645106"/>
+            <a:ext cx="5122652" cy="1259894"/>
+          </a:xfrm>
+        </p:spPr>
+        <p:txBody>
+          <a:bodyPr>
+            <a:normAutofit/>
+          </a:bodyPr>
           <a:lstStyle/>
           <a:p>
             <a:r>
@@ -17865,6 +19472,60 @@
       </p:sp>
       <p:sp>
         <p:nvSpPr>
+          <p:cNvPr id="73" name="Rectangle 72">
+            <a:extLst>
+              <a:ext uri="{FF2B5EF4-FFF2-40B4-BE49-F238E27FC236}">
+                <a16:creationId xmlns:a16="http://schemas.microsoft.com/office/drawing/2014/main" id="{359E45B9-0D24-465E-84AD-FEDBA836B569}"/>
+              </a:ext>
+              <a:ext uri="{C183D7F6-B498-43B3-948B-1728B52AA6E4}">
+                <adec:decorative xmlns:adec="http://schemas.microsoft.com/office/drawing/2017/decorative" val="1"/>
+              </a:ext>
+            </a:extLst>
+          </p:cNvPr>
+          <p:cNvSpPr>
+            <a:spLocks noGrp="1" noRot="1" noChangeAspect="1" noMove="1" noResize="1" noEditPoints="1" noAdjustHandles="1" noChangeArrowheads="1" noChangeShapeType="1" noTextEdit="1"/>
+          </p:cNvSpPr>
+          <p:nvPr>
+            <p:extLst>
+              <p:ext uri="{386F3935-93C4-4BCD-93E2-E3B085C9AB24}">
+                <p16:designElem xmlns:p16="http://schemas.microsoft.com/office/powerpoint/2015/main" val="1"/>
+              </p:ext>
+            </p:extLst>
+          </p:nvPr>
+        </p:nvSpPr>
+        <p:spPr>
+          <a:xfrm>
+            <a:off x="0" y="0"/>
+            <a:ext cx="182880" cy="6858000"/>
+          </a:xfrm>
+          <a:prstGeom prst="rect">
+            <a:avLst/>
+          </a:prstGeom>
+          <a:solidFill>
+            <a:schemeClr val="tx2"/>
+          </a:solidFill>
+          <a:ln>
+            <a:noFill/>
+          </a:ln>
+          <a:effectLst/>
+        </p:spPr>
+        <p:style>
+          <a:lnRef idx="1">
+            <a:schemeClr val="accent1"/>
+          </a:lnRef>
+          <a:fillRef idx="3">
+            <a:schemeClr val="accent1"/>
+          </a:fillRef>
+          <a:effectRef idx="2">
+            <a:schemeClr val="accent1"/>
+          </a:effectRef>
+          <a:fontRef idx="minor">
+            <a:schemeClr val="lt1"/>
+          </a:fontRef>
+        </p:style>
+      </p:sp>
+      <p:sp>
+        <p:nvSpPr>
           <p:cNvPr id="3" name="Content Placeholder 2">
             <a:extLst>
               <a:ext uri="{FF2B5EF4-FFF2-40B4-BE49-F238E27FC236}">
@@ -17879,15 +19540,515 @@
             <p:ph idx="1"/>
           </p:nvPr>
         </p:nvSpPr>
-        <p:spPr/>
-        <p:txBody>
-          <a:bodyPr/>
-          <a:lstStyle/>
+        <p:spPr>
+          <a:xfrm>
+            <a:off x="649225" y="2133600"/>
+            <a:ext cx="5122652" cy="3922875"/>
+          </a:xfrm>
+        </p:spPr>
+        <p:txBody>
+          <a:bodyPr>
+            <a:normAutofit fontScale="92500" lnSpcReduction="10000"/>
+          </a:bodyPr>
+          <a:lstStyle/>
+          <a:p>
+            <a:pPr marL="0" indent="0">
+              <a:buNone/>
+            </a:pPr>
+            <a:r>
+              <a:rPr lang="en-US" dirty="0"/>
+              <a:t>Black locust</a:t>
+            </a:r>
+          </a:p>
+          <a:p>
+            <a:endParaRPr lang="en-US" dirty="0"/>
+          </a:p>
+          <a:p>
+            <a:r>
+              <a:rPr lang="en-US" dirty="0"/>
+              <a:t>Compound, alternate leaves</a:t>
+            </a:r>
+          </a:p>
+          <a:p>
+            <a:pPr lvl="1"/>
+            <a:r>
+              <a:rPr lang="en-US" dirty="0"/>
+              <a:t>Entire, dull blue-green, 7-19 leaflets, each 1.5”</a:t>
+            </a:r>
+          </a:p>
+          <a:p>
+            <a:r>
+              <a:rPr lang="en-US" dirty="0"/>
+              <a:t>Fruit pods like flattened snap pea cases</a:t>
+            </a:r>
+          </a:p>
+          <a:p>
+            <a:r>
+              <a:rPr lang="en-US" dirty="0"/>
+              <a:t>Flowers small, pea-like (Fabaceae), hanging in 6” clusters</a:t>
+            </a:r>
+          </a:p>
+          <a:p>
+            <a:r>
+              <a:rPr lang="en-US" b="1" dirty="0"/>
+              <a:t>Thorns on stems and twigs</a:t>
+            </a:r>
+            <a:r>
+              <a:rPr lang="en-US" dirty="0"/>
+              <a:t>, rugged bark</a:t>
+            </a:r>
+          </a:p>
           <a:p>
             <a:r>
               <a:rPr lang="en-US" dirty="0"/>
               <a:t>Much more outside the plot (along adjacent to Leach lake on road and on Leach road)</a:t>
             </a:r>
+          </a:p>
+        </p:txBody>
+      </p:sp>
+      <p:pic>
+        <p:nvPicPr>
+          <p:cNvPr id="12290" name="Picture 2" descr="https://www.dendroapp.frec.vt.edu/VT_Assets/Fact_Sheets/images/Robinia%20pseudoacacia/leaf1.jpg">
+            <a:extLst>
+              <a:ext uri="{FF2B5EF4-FFF2-40B4-BE49-F238E27FC236}">
+                <a16:creationId xmlns:a16="http://schemas.microsoft.com/office/drawing/2014/main" id="{A2063C8D-E14C-46A3-8A8E-B2E8BA799A40}"/>
+              </a:ext>
+            </a:extLst>
+          </p:cNvPr>
+          <p:cNvPicPr>
+            <a:picLocks noChangeAspect="1" noChangeArrowheads="1"/>
+          </p:cNvPicPr>
+          <p:nvPr/>
+        </p:nvPicPr>
+        <p:blipFill>
+          <a:blip r:embed="rId2">
+            <a:extLst>
+              <a:ext uri="{28A0092B-C50C-407E-A947-70E740481C1C}">
+                <a14:useLocalDpi xmlns:a14="http://schemas.microsoft.com/office/drawing/2010/main" val="0"/>
+              </a:ext>
+            </a:extLst>
+          </a:blip>
+          <a:stretch>
+            <a:fillRect/>
+          </a:stretch>
+        </p:blipFill>
+        <p:spPr bwMode="auto">
+          <a:xfrm>
+            <a:off x="7072854" y="645106"/>
+            <a:ext cx="3489751" cy="5247747"/>
+          </a:xfrm>
+          <a:prstGeom prst="rect">
+            <a:avLst/>
+          </a:prstGeom>
+          <a:noFill/>
+          <a:extLst>
+            <a:ext uri="{909E8E84-426E-40DD-AFC4-6F175D3DCCD1}">
+              <a14:hiddenFill xmlns:a14="http://schemas.microsoft.com/office/drawing/2010/main">
+                <a:solidFill>
+                  <a:srgbClr val="FFFFFF"/>
+                </a:solidFill>
+              </a14:hiddenFill>
+            </a:ext>
+          </a:extLst>
+        </p:spPr>
+      </p:pic>
+      <p:sp>
+        <p:nvSpPr>
+          <p:cNvPr id="75" name="Freeform 12">
+            <a:extLst>
+              <a:ext uri="{FF2B5EF4-FFF2-40B4-BE49-F238E27FC236}">
+                <a16:creationId xmlns:a16="http://schemas.microsoft.com/office/drawing/2014/main" id="{1F36A2FB-17CD-4DA6-9D8A-BFD6ADF6A321}"/>
+              </a:ext>
+              <a:ext uri="{C183D7F6-B498-43B3-948B-1728B52AA6E4}">
+                <adec:decorative xmlns:adec="http://schemas.microsoft.com/office/drawing/2017/decorative" val="1"/>
+              </a:ext>
+            </a:extLst>
+          </p:cNvPr>
+          <p:cNvSpPr>
+            <a:spLocks noGrp="1" noRot="1" noChangeAspect="1" noMove="1" noResize="1" noEditPoints="1" noAdjustHandles="1" noChangeArrowheads="1" noChangeShapeType="1" noTextEdit="1"/>
+          </p:cNvSpPr>
+          <p:nvPr>
+            <p:extLst>
+              <p:ext uri="{386F3935-93C4-4BCD-93E2-E3B085C9AB24}">
+                <p16:designElem xmlns:p16="http://schemas.microsoft.com/office/powerpoint/2015/main" val="1"/>
+              </p:ext>
+            </p:extLst>
+          </p:nvPr>
+        </p:nvSpPr>
+        <p:spPr>
+          <a:xfrm>
+            <a:off x="-1" y="6061223"/>
+            <a:ext cx="1038036" cy="506277"/>
+          </a:xfrm>
+          <a:custGeom>
+            <a:avLst/>
+            <a:gdLst>
+              <a:gd name="connsiteX0" fmla="*/ 0 w 1038036"/>
+              <a:gd name="connsiteY0" fmla="*/ 0 h 506277"/>
+              <a:gd name="connsiteX1" fmla="*/ 182880 w 1038036"/>
+              <a:gd name="connsiteY1" fmla="*/ 0 h 506277"/>
+              <a:gd name="connsiteX2" fmla="*/ 291705 w 1038036"/>
+              <a:gd name="connsiteY2" fmla="*/ 0 h 506277"/>
+              <a:gd name="connsiteX3" fmla="*/ 291705 w 1038036"/>
+              <a:gd name="connsiteY3" fmla="*/ 151 h 506277"/>
+              <a:gd name="connsiteX4" fmla="*/ 692049 w 1038036"/>
+              <a:gd name="connsiteY4" fmla="*/ 705 h 506277"/>
+              <a:gd name="connsiteX5" fmla="*/ 782744 w 1038036"/>
+              <a:gd name="connsiteY5" fmla="*/ 705 h 506277"/>
+              <a:gd name="connsiteX6" fmla="*/ 797001 w 1038036"/>
+              <a:gd name="connsiteY6" fmla="*/ 5473 h 506277"/>
+              <a:gd name="connsiteX7" fmla="*/ 801982 w 1038036"/>
+              <a:gd name="connsiteY7" fmla="*/ 10242 h 506277"/>
+              <a:gd name="connsiteX8" fmla="*/ 1030951 w 1038036"/>
+              <a:gd name="connsiteY8" fmla="*/ 239185 h 506277"/>
+              <a:gd name="connsiteX9" fmla="*/ 1030951 w 1038036"/>
+              <a:gd name="connsiteY9" fmla="*/ 267797 h 506277"/>
+              <a:gd name="connsiteX10" fmla="*/ 801982 w 1038036"/>
+              <a:gd name="connsiteY10" fmla="*/ 496740 h 506277"/>
+              <a:gd name="connsiteX11" fmla="*/ 797001 w 1038036"/>
+              <a:gd name="connsiteY11" fmla="*/ 501508 h 506277"/>
+              <a:gd name="connsiteX12" fmla="*/ 782744 w 1038036"/>
+              <a:gd name="connsiteY12" fmla="*/ 506277 h 506277"/>
+              <a:gd name="connsiteX13" fmla="*/ 692049 w 1038036"/>
+              <a:gd name="connsiteY13" fmla="*/ 506277 h 506277"/>
+              <a:gd name="connsiteX14" fmla="*/ 291705 w 1038036"/>
+              <a:gd name="connsiteY14" fmla="*/ 505140 h 506277"/>
+              <a:gd name="connsiteX15" fmla="*/ 291705 w 1038036"/>
+              <a:gd name="connsiteY15" fmla="*/ 506277 h 506277"/>
+              <a:gd name="connsiteX16" fmla="*/ 0 w 1038036"/>
+              <a:gd name="connsiteY16" fmla="*/ 506277 h 506277"/>
+            </a:gdLst>
+            <a:ahLst/>
+            <a:cxnLst>
+              <a:cxn ang="0">
+                <a:pos x="connsiteX0" y="connsiteY0"/>
+              </a:cxn>
+              <a:cxn ang="0">
+                <a:pos x="connsiteX1" y="connsiteY1"/>
+              </a:cxn>
+              <a:cxn ang="0">
+                <a:pos x="connsiteX2" y="connsiteY2"/>
+              </a:cxn>
+              <a:cxn ang="0">
+                <a:pos x="connsiteX3" y="connsiteY3"/>
+              </a:cxn>
+              <a:cxn ang="0">
+                <a:pos x="connsiteX4" y="connsiteY4"/>
+              </a:cxn>
+              <a:cxn ang="0">
+                <a:pos x="connsiteX5" y="connsiteY5"/>
+              </a:cxn>
+              <a:cxn ang="0">
+                <a:pos x="connsiteX6" y="connsiteY6"/>
+              </a:cxn>
+              <a:cxn ang="0">
+                <a:pos x="connsiteX7" y="connsiteY7"/>
+              </a:cxn>
+              <a:cxn ang="0">
+                <a:pos x="connsiteX8" y="connsiteY8"/>
+              </a:cxn>
+              <a:cxn ang="0">
+                <a:pos x="connsiteX9" y="connsiteY9"/>
+              </a:cxn>
+              <a:cxn ang="0">
+                <a:pos x="connsiteX10" y="connsiteY10"/>
+              </a:cxn>
+              <a:cxn ang="0">
+                <a:pos x="connsiteX11" y="connsiteY11"/>
+              </a:cxn>
+              <a:cxn ang="0">
+                <a:pos x="connsiteX12" y="connsiteY12"/>
+              </a:cxn>
+              <a:cxn ang="0">
+                <a:pos x="connsiteX13" y="connsiteY13"/>
+              </a:cxn>
+              <a:cxn ang="0">
+                <a:pos x="connsiteX14" y="connsiteY14"/>
+              </a:cxn>
+              <a:cxn ang="0">
+                <a:pos x="connsiteX15" y="connsiteY15"/>
+              </a:cxn>
+              <a:cxn ang="0">
+                <a:pos x="connsiteX16" y="connsiteY16"/>
+              </a:cxn>
+            </a:cxnLst>
+            <a:rect l="l" t="t" r="r" b="b"/>
+            <a:pathLst>
+              <a:path w="1038036" h="506277">
+                <a:moveTo>
+                  <a:pt x="0" y="0"/>
+                </a:moveTo>
+                <a:lnTo>
+                  <a:pt x="182880" y="0"/>
+                </a:lnTo>
+                <a:lnTo>
+                  <a:pt x="291705" y="0"/>
+                </a:lnTo>
+                <a:lnTo>
+                  <a:pt x="291705" y="151"/>
+                </a:lnTo>
+                <a:lnTo>
+                  <a:pt x="692049" y="705"/>
+                </a:lnTo>
+                <a:lnTo>
+                  <a:pt x="782744" y="705"/>
+                </a:lnTo>
+                <a:cubicBezTo>
+                  <a:pt x="787553" y="705"/>
+                  <a:pt x="792363" y="5473"/>
+                  <a:pt x="797001" y="5473"/>
+                </a:cubicBezTo>
+                <a:cubicBezTo>
+                  <a:pt x="797001" y="10242"/>
+                  <a:pt x="801982" y="10242"/>
+                  <a:pt x="801982" y="10242"/>
+                </a:cubicBezTo>
+                <a:lnTo>
+                  <a:pt x="1030951" y="239185"/>
+                </a:lnTo>
+                <a:cubicBezTo>
+                  <a:pt x="1040398" y="248722"/>
+                  <a:pt x="1040398" y="258259"/>
+                  <a:pt x="1030951" y="267797"/>
+                </a:cubicBezTo>
+                <a:lnTo>
+                  <a:pt x="801982" y="496740"/>
+                </a:lnTo>
+                <a:cubicBezTo>
+                  <a:pt x="800436" y="498363"/>
+                  <a:pt x="798547" y="499885"/>
+                  <a:pt x="797001" y="501508"/>
+                </a:cubicBezTo>
+                <a:cubicBezTo>
+                  <a:pt x="792363" y="506277"/>
+                  <a:pt x="787553" y="506277"/>
+                  <a:pt x="782744" y="506277"/>
+                </a:cubicBezTo>
+                <a:lnTo>
+                  <a:pt x="692049" y="506277"/>
+                </a:lnTo>
+                <a:lnTo>
+                  <a:pt x="291705" y="505140"/>
+                </a:lnTo>
+                <a:lnTo>
+                  <a:pt x="291705" y="506277"/>
+                </a:lnTo>
+                <a:lnTo>
+                  <a:pt x="0" y="506277"/>
+                </a:lnTo>
+                <a:close/>
+              </a:path>
+            </a:pathLst>
+          </a:custGeom>
+          <a:ln>
+            <a:noFill/>
+          </a:ln>
+        </p:spPr>
+        <p:style>
+          <a:lnRef idx="2">
+            <a:schemeClr val="accent1">
+              <a:shade val="50000"/>
+            </a:schemeClr>
+          </a:lnRef>
+          <a:fillRef idx="1">
+            <a:schemeClr val="accent1"/>
+          </a:fillRef>
+          <a:effectRef idx="0">
+            <a:schemeClr val="accent1"/>
+          </a:effectRef>
+          <a:fontRef idx="minor">
+            <a:schemeClr val="lt1"/>
+          </a:fontRef>
+        </p:style>
+        <p:txBody>
+          <a:bodyPr rtlCol="0" anchor="ctr"/>
+          <a:lstStyle/>
+          <a:p>
+            <a:pPr algn="ctr"/>
+            <a:endParaRPr lang="en-US"/>
+          </a:p>
+        </p:txBody>
+      </p:sp>
+      <p:pic>
+        <p:nvPicPr>
+          <p:cNvPr id="12292" name="Picture 4" descr="https://www.dendroapp.frec.vt.edu/VT_Assets/Fact_Sheets/images/Robinia%20pseudoacacia/twig1.jpg">
+            <a:extLst>
+              <a:ext uri="{FF2B5EF4-FFF2-40B4-BE49-F238E27FC236}">
+                <a16:creationId xmlns:a16="http://schemas.microsoft.com/office/drawing/2014/main" id="{FF033CE9-BF06-4B27-9D7D-50F01E9E2C44}"/>
+              </a:ext>
+            </a:extLst>
+          </p:cNvPr>
+          <p:cNvPicPr>
+            <a:picLocks noChangeAspect="1" noChangeArrowheads="1"/>
+          </p:cNvPicPr>
+          <p:nvPr/>
+        </p:nvPicPr>
+        <p:blipFill>
+          <a:blip r:embed="rId3">
+            <a:extLst>
+              <a:ext uri="{28A0092B-C50C-407E-A947-70E740481C1C}">
+                <a14:useLocalDpi xmlns:a14="http://schemas.microsoft.com/office/drawing/2010/main" val="0"/>
+              </a:ext>
+            </a:extLst>
+          </a:blip>
+          <a:srcRect/>
+          <a:stretch>
+            <a:fillRect/>
+          </a:stretch>
+        </p:blipFill>
+        <p:spPr bwMode="auto">
+          <a:xfrm>
+            <a:off x="5998619" y="986120"/>
+            <a:ext cx="767124" cy="1153731"/>
+          </a:xfrm>
+          <a:prstGeom prst="rect">
+            <a:avLst/>
+          </a:prstGeom>
+          <a:noFill/>
+          <a:extLst>
+            <a:ext uri="{909E8E84-426E-40DD-AFC4-6F175D3DCCD1}">
+              <a14:hiddenFill xmlns:a14="http://schemas.microsoft.com/office/drawing/2010/main">
+                <a:solidFill>
+                  <a:srgbClr val="FFFFFF"/>
+                </a:solidFill>
+              </a14:hiddenFill>
+            </a:ext>
+          </a:extLst>
+        </p:spPr>
+      </p:pic>
+      <p:pic>
+        <p:nvPicPr>
+          <p:cNvPr id="12294" name="Picture 6" descr="https://www.dendroapp.frec.vt.edu/VT_Assets/Fact_Sheets/images/Robinia%20pseudoacacia/flower1.jpg">
+            <a:extLst>
+              <a:ext uri="{FF2B5EF4-FFF2-40B4-BE49-F238E27FC236}">
+                <a16:creationId xmlns:a16="http://schemas.microsoft.com/office/drawing/2014/main" id="{6757FBDE-B6C2-4CA4-855F-49A2CA8DBB9B}"/>
+              </a:ext>
+            </a:extLst>
+          </p:cNvPr>
+          <p:cNvPicPr>
+            <a:picLocks noChangeAspect="1" noChangeArrowheads="1"/>
+          </p:cNvPicPr>
+          <p:nvPr/>
+        </p:nvPicPr>
+        <p:blipFill>
+          <a:blip r:embed="rId4">
+            <a:extLst>
+              <a:ext uri="{28A0092B-C50C-407E-A947-70E740481C1C}">
+                <a14:useLocalDpi xmlns:a14="http://schemas.microsoft.com/office/drawing/2010/main" val="0"/>
+              </a:ext>
+            </a:extLst>
+          </a:blip>
+          <a:srcRect/>
+          <a:stretch>
+            <a:fillRect/>
+          </a:stretch>
+        </p:blipFill>
+        <p:spPr bwMode="auto">
+          <a:xfrm>
+            <a:off x="10676745" y="1179483"/>
+            <a:ext cx="1401114" cy="2107231"/>
+          </a:xfrm>
+          <a:prstGeom prst="rect">
+            <a:avLst/>
+          </a:prstGeom>
+          <a:noFill/>
+          <a:extLst>
+            <a:ext uri="{909E8E84-426E-40DD-AFC4-6F175D3DCCD1}">
+              <a14:hiddenFill xmlns:a14="http://schemas.microsoft.com/office/drawing/2010/main">
+                <a:solidFill>
+                  <a:srgbClr val="FFFFFF"/>
+                </a:solidFill>
+              </a14:hiddenFill>
+            </a:ext>
+          </a:extLst>
+        </p:spPr>
+      </p:pic>
+      <p:pic>
+        <p:nvPicPr>
+          <p:cNvPr id="12296" name="Picture 8" descr="https://www.dendroapp.frec.vt.edu/VT_Assets/Fact_Sheets/images/Robinia%20pseudoacacia/fruit1.jpg">
+            <a:extLst>
+              <a:ext uri="{FF2B5EF4-FFF2-40B4-BE49-F238E27FC236}">
+                <a16:creationId xmlns:a16="http://schemas.microsoft.com/office/drawing/2014/main" id="{ABD5F423-59D1-423D-B150-02CA39EB30F3}"/>
+              </a:ext>
+            </a:extLst>
+          </p:cNvPr>
+          <p:cNvPicPr>
+            <a:picLocks noChangeAspect="1" noChangeArrowheads="1"/>
+          </p:cNvPicPr>
+          <p:nvPr/>
+        </p:nvPicPr>
+        <p:blipFill>
+          <a:blip r:embed="rId5">
+            <a:extLst>
+              <a:ext uri="{28A0092B-C50C-407E-A947-70E740481C1C}">
+                <a14:useLocalDpi xmlns:a14="http://schemas.microsoft.com/office/drawing/2010/main" val="0"/>
+              </a:ext>
+            </a:extLst>
+          </a:blip>
+          <a:srcRect/>
+          <a:stretch>
+            <a:fillRect/>
+          </a:stretch>
+        </p:blipFill>
+        <p:spPr bwMode="auto">
+          <a:xfrm>
+            <a:off x="10717260" y="3674434"/>
+            <a:ext cx="1410133" cy="2120795"/>
+          </a:xfrm>
+          <a:prstGeom prst="rect">
+            <a:avLst/>
+          </a:prstGeom>
+          <a:noFill/>
+          <a:extLst>
+            <a:ext uri="{909E8E84-426E-40DD-AFC4-6F175D3DCCD1}">
+              <a14:hiddenFill xmlns:a14="http://schemas.microsoft.com/office/drawing/2010/main">
+                <a:solidFill>
+                  <a:srgbClr val="FFFFFF"/>
+                </a:solidFill>
+              </a14:hiddenFill>
+            </a:ext>
+          </a:extLst>
+        </p:spPr>
+      </p:pic>
+      <p:sp>
+        <p:nvSpPr>
+          <p:cNvPr id="4" name="TextBox 3">
+            <a:extLst>
+              <a:ext uri="{FF2B5EF4-FFF2-40B4-BE49-F238E27FC236}">
+                <a16:creationId xmlns:a16="http://schemas.microsoft.com/office/drawing/2014/main" id="{2290D1CF-306A-4BDD-9B0B-9A4E8821BEFF}"/>
+              </a:ext>
+            </a:extLst>
+          </p:cNvPr>
+          <p:cNvSpPr txBox="1"/>
+          <p:nvPr/>
+        </p:nvSpPr>
+        <p:spPr>
+          <a:xfrm>
+            <a:off x="6667500" y="6061223"/>
+            <a:ext cx="4686300" cy="415498"/>
+          </a:xfrm>
+          <a:prstGeom prst="rect">
+            <a:avLst/>
+          </a:prstGeom>
+          <a:noFill/>
+        </p:spPr>
+        <p:txBody>
+          <a:bodyPr wrap="square" rtlCol="0">
+            <a:spAutoFit/>
+          </a:bodyPr>
+          <a:lstStyle/>
+          <a:p>
+            <a:r>
+              <a:rPr lang="en-US" sz="1000" dirty="0"/>
+              <a:t>Source: </a:t>
+            </a:r>
+            <a:r>
+              <a:rPr lang="en-US" sz="1000" dirty="0">
+                <a:hlinkClick r:id="rId6"/>
+              </a:rPr>
+              <a:t>http://dendro.cnre.vt.edu/dendrology/syllabus/factsheet.cfm?ID=40</a:t>
+            </a:r>
+            <a:endParaRPr lang="en-US" sz="1000" dirty="0"/>
           </a:p>
         </p:txBody>
       </p:sp>
@@ -19802,6 +21963,32 @@
 <file path=ppt/slides/slide61.xml><?xml version="1.0" encoding="utf-8"?>
 <p:sld xmlns:a="http://schemas.openxmlformats.org/drawingml/2006/main" xmlns:r="http://schemas.openxmlformats.org/officeDocument/2006/relationships" xmlns:p="http://schemas.openxmlformats.org/presentationml/2006/main">
   <p:cSld>
+    <p:bg>
+      <p:bgPr>
+        <a:gradFill rotWithShape="1">
+          <a:gsLst>
+            <a:gs pos="0">
+              <a:schemeClr val="bg2">
+                <a:tint val="90000"/>
+                <a:satMod val="92000"/>
+                <a:lumMod val="120000"/>
+              </a:schemeClr>
+            </a:gs>
+            <a:gs pos="100000">
+              <a:schemeClr val="bg2">
+                <a:shade val="98000"/>
+                <a:satMod val="120000"/>
+                <a:lumMod val="98000"/>
+              </a:schemeClr>
+            </a:gs>
+          </a:gsLst>
+          <a:path path="circle">
+            <a:fillToRect l="50000" t="50000" r="100000" b="100000"/>
+          </a:path>
+        </a:gradFill>
+        <a:effectLst/>
+      </p:bgPr>
+    </p:bg>
     <p:spTree>
       <p:nvGrpSpPr>
         <p:cNvPr id="1" name=""/>
@@ -19816,6 +22003,66 @@
           <a:chExt cx="0" cy="0"/>
         </a:xfrm>
       </p:grpSpPr>
+      <p:sp useBgFill="1">
+        <p:nvSpPr>
+          <p:cNvPr id="71" name="Rectangle 70">
+            <a:extLst>
+              <a:ext uri="{FF2B5EF4-FFF2-40B4-BE49-F238E27FC236}">
+                <a16:creationId xmlns:a16="http://schemas.microsoft.com/office/drawing/2014/main" id="{3419E28B-721B-4D0D-A1D3-78EAC57253AF}"/>
+              </a:ext>
+              <a:ext uri="{C183D7F6-B498-43B3-948B-1728B52AA6E4}">
+                <adec:decorative xmlns:adec="http://schemas.microsoft.com/office/drawing/2017/decorative" val="1"/>
+              </a:ext>
+            </a:extLst>
+          </p:cNvPr>
+          <p:cNvSpPr>
+            <a:spLocks noGrp="1" noRot="1" noChangeAspect="1" noMove="1" noResize="1" noEditPoints="1" noAdjustHandles="1" noChangeArrowheads="1" noChangeShapeType="1" noTextEdit="1"/>
+          </p:cNvSpPr>
+          <p:nvPr>
+            <p:extLst>
+              <p:ext uri="{386F3935-93C4-4BCD-93E2-E3B085C9AB24}">
+                <p16:designElem xmlns:p16="http://schemas.microsoft.com/office/powerpoint/2015/main" val="1"/>
+              </p:ext>
+            </p:extLst>
+          </p:nvPr>
+        </p:nvSpPr>
+        <p:spPr>
+          <a:xfrm>
+            <a:off x="0" y="-786"/>
+            <a:ext cx="12192000" cy="6854038"/>
+          </a:xfrm>
+          <a:prstGeom prst="rect">
+            <a:avLst/>
+          </a:prstGeom>
+          <a:ln>
+            <a:noFill/>
+          </a:ln>
+        </p:spPr>
+        <p:style>
+          <a:lnRef idx="2">
+            <a:schemeClr val="accent1">
+              <a:shade val="50000"/>
+            </a:schemeClr>
+          </a:lnRef>
+          <a:fillRef idx="1">
+            <a:schemeClr val="accent1"/>
+          </a:fillRef>
+          <a:effectRef idx="0">
+            <a:schemeClr val="accent1"/>
+          </a:effectRef>
+          <a:fontRef idx="minor">
+            <a:schemeClr val="lt1"/>
+          </a:fontRef>
+        </p:style>
+        <p:txBody>
+          <a:bodyPr rtlCol="0" anchor="ctr"/>
+          <a:lstStyle/>
+          <a:p>
+            <a:pPr algn="ctr"/>
+            <a:endParaRPr lang="en-US"/>
+          </a:p>
+        </p:txBody>
+      </p:sp>
       <p:sp>
         <p:nvSpPr>
           <p:cNvPr id="2" name="Title 1">
@@ -19832,9 +22079,16 @@
             <p:ph type="title"/>
           </p:nvPr>
         </p:nvSpPr>
-        <p:spPr/>
-        <p:txBody>
-          <a:bodyPr/>
+        <p:spPr>
+          <a:xfrm>
+            <a:off x="649224" y="645106"/>
+            <a:ext cx="5122652" cy="1259894"/>
+          </a:xfrm>
+        </p:spPr>
+        <p:txBody>
+          <a:bodyPr>
+            <a:normAutofit/>
+          </a:bodyPr>
           <a:lstStyle/>
           <a:p>
             <a:r>
@@ -19851,6 +22105,60 @@
       </p:sp>
       <p:sp>
         <p:nvSpPr>
+          <p:cNvPr id="73" name="Rectangle 72">
+            <a:extLst>
+              <a:ext uri="{FF2B5EF4-FFF2-40B4-BE49-F238E27FC236}">
+                <a16:creationId xmlns:a16="http://schemas.microsoft.com/office/drawing/2014/main" id="{359E45B9-0D24-465E-84AD-FEDBA836B569}"/>
+              </a:ext>
+              <a:ext uri="{C183D7F6-B498-43B3-948B-1728B52AA6E4}">
+                <adec:decorative xmlns:adec="http://schemas.microsoft.com/office/drawing/2017/decorative" val="1"/>
+              </a:ext>
+            </a:extLst>
+          </p:cNvPr>
+          <p:cNvSpPr>
+            <a:spLocks noGrp="1" noRot="1" noChangeAspect="1" noMove="1" noResize="1" noEditPoints="1" noAdjustHandles="1" noChangeArrowheads="1" noChangeShapeType="1" noTextEdit="1"/>
+          </p:cNvSpPr>
+          <p:nvPr>
+            <p:extLst>
+              <p:ext uri="{386F3935-93C4-4BCD-93E2-E3B085C9AB24}">
+                <p16:designElem xmlns:p16="http://schemas.microsoft.com/office/powerpoint/2015/main" val="1"/>
+              </p:ext>
+            </p:extLst>
+          </p:nvPr>
+        </p:nvSpPr>
+        <p:spPr>
+          <a:xfrm>
+            <a:off x="0" y="0"/>
+            <a:ext cx="182880" cy="6858000"/>
+          </a:xfrm>
+          <a:prstGeom prst="rect">
+            <a:avLst/>
+          </a:prstGeom>
+          <a:solidFill>
+            <a:schemeClr val="tx2"/>
+          </a:solidFill>
+          <a:ln>
+            <a:noFill/>
+          </a:ln>
+          <a:effectLst/>
+        </p:spPr>
+        <p:style>
+          <a:lnRef idx="1">
+            <a:schemeClr val="accent1"/>
+          </a:lnRef>
+          <a:fillRef idx="3">
+            <a:schemeClr val="accent1"/>
+          </a:fillRef>
+          <a:effectRef idx="2">
+            <a:schemeClr val="accent1"/>
+          </a:effectRef>
+          <a:fontRef idx="minor">
+            <a:schemeClr val="lt1"/>
+          </a:fontRef>
+        </p:style>
+      </p:sp>
+      <p:sp>
+        <p:nvSpPr>
           <p:cNvPr id="3" name="Content Placeholder 2">
             <a:extLst>
               <a:ext uri="{FF2B5EF4-FFF2-40B4-BE49-F238E27FC236}">
@@ -19865,12 +22173,411 @@
             <p:ph idx="1"/>
           </p:nvPr>
         </p:nvSpPr>
-        <p:spPr/>
-        <p:txBody>
-          <a:bodyPr/>
-          <a:lstStyle/>
-          <a:p>
+        <p:spPr>
+          <a:xfrm>
+            <a:off x="649225" y="2133600"/>
+            <a:ext cx="5122652" cy="3759253"/>
+          </a:xfrm>
+        </p:spPr>
+        <p:txBody>
+          <a:bodyPr>
+            <a:normAutofit/>
+          </a:bodyPr>
+          <a:lstStyle/>
+          <a:p>
+            <a:pPr marL="0" indent="0">
+              <a:buNone/>
+            </a:pPr>
+            <a:r>
+              <a:rPr lang="en-US" dirty="0"/>
+              <a:t>Sassafras</a:t>
+            </a:r>
+          </a:p>
+          <a:p>
+            <a:endParaRPr lang="en-US" dirty="0"/>
+          </a:p>
+          <a:p>
+            <a:r>
+              <a:rPr lang="en-US" dirty="0"/>
+              <a:t>Pale green undersides, fuzzy</a:t>
+            </a:r>
+          </a:p>
+          <a:p>
+            <a:pPr lvl="1"/>
+            <a:r>
+              <a:rPr lang="en-US" b="1" dirty="0"/>
+              <a:t>Leaves are variably shaped (some like mittens)</a:t>
+            </a:r>
+          </a:p>
+          <a:p>
+            <a:r>
+              <a:rPr lang="en-US" dirty="0"/>
+              <a:t>Small dark berries from red stems</a:t>
+            </a:r>
+          </a:p>
+          <a:p>
+            <a:r>
+              <a:rPr lang="en-US" dirty="0"/>
+              <a:t>Small clustered flowers with new leaves in spring</a:t>
+            </a:r>
+          </a:p>
+          <a:p>
+            <a:r>
+              <a:rPr lang="en-US" dirty="0"/>
+              <a:t>Bark with deep furrows</a:t>
+            </a:r>
+          </a:p>
+        </p:txBody>
+      </p:sp>
+      <p:pic>
+        <p:nvPicPr>
+          <p:cNvPr id="11266" name="Picture 2" descr="https://www.dendroapp.frec.vt.edu/VT_Assets/Fact_Sheets/images/Sassafras%20albidum/leaf1.jpg">
+            <a:extLst>
+              <a:ext uri="{FF2B5EF4-FFF2-40B4-BE49-F238E27FC236}">
+                <a16:creationId xmlns:a16="http://schemas.microsoft.com/office/drawing/2014/main" id="{0784D18C-1D8F-4E72-8BCC-1A5024E2E5E3}"/>
+              </a:ext>
+            </a:extLst>
+          </p:cNvPr>
+          <p:cNvPicPr>
+            <a:picLocks noChangeAspect="1" noChangeArrowheads="1"/>
+          </p:cNvPicPr>
+          <p:nvPr/>
+        </p:nvPicPr>
+        <p:blipFill>
+          <a:blip r:embed="rId2">
+            <a:extLst>
+              <a:ext uri="{28A0092B-C50C-407E-A947-70E740481C1C}">
+                <a14:useLocalDpi xmlns:a14="http://schemas.microsoft.com/office/drawing/2010/main" val="0"/>
+              </a:ext>
+            </a:extLst>
+          </a:blip>
+          <a:stretch>
+            <a:fillRect/>
+          </a:stretch>
+        </p:blipFill>
+        <p:spPr bwMode="auto">
+          <a:xfrm>
+            <a:off x="7577768" y="498149"/>
+            <a:ext cx="4080123" cy="5247747"/>
+          </a:xfrm>
+          <a:prstGeom prst="rect">
+            <a:avLst/>
+          </a:prstGeom>
+          <a:noFill/>
+          <a:extLst>
+            <a:ext uri="{909E8E84-426E-40DD-AFC4-6F175D3DCCD1}">
+              <a14:hiddenFill xmlns:a14="http://schemas.microsoft.com/office/drawing/2010/main">
+                <a:solidFill>
+                  <a:srgbClr val="FFFFFF"/>
+                </a:solidFill>
+              </a14:hiddenFill>
+            </a:ext>
+          </a:extLst>
+        </p:spPr>
+      </p:pic>
+      <p:sp>
+        <p:nvSpPr>
+          <p:cNvPr id="75" name="Freeform 12">
+            <a:extLst>
+              <a:ext uri="{FF2B5EF4-FFF2-40B4-BE49-F238E27FC236}">
+                <a16:creationId xmlns:a16="http://schemas.microsoft.com/office/drawing/2014/main" id="{1F36A2FB-17CD-4DA6-9D8A-BFD6ADF6A321}"/>
+              </a:ext>
+              <a:ext uri="{C183D7F6-B498-43B3-948B-1728B52AA6E4}">
+                <adec:decorative xmlns:adec="http://schemas.microsoft.com/office/drawing/2017/decorative" val="1"/>
+              </a:ext>
+            </a:extLst>
+          </p:cNvPr>
+          <p:cNvSpPr>
+            <a:spLocks noGrp="1" noRot="1" noChangeAspect="1" noMove="1" noResize="1" noEditPoints="1" noAdjustHandles="1" noChangeArrowheads="1" noChangeShapeType="1" noTextEdit="1"/>
+          </p:cNvSpPr>
+          <p:nvPr>
+            <p:extLst>
+              <p:ext uri="{386F3935-93C4-4BCD-93E2-E3B085C9AB24}">
+                <p16:designElem xmlns:p16="http://schemas.microsoft.com/office/powerpoint/2015/main" val="1"/>
+              </p:ext>
+            </p:extLst>
+          </p:nvPr>
+        </p:nvSpPr>
+        <p:spPr>
+          <a:xfrm>
+            <a:off x="-1" y="6061223"/>
+            <a:ext cx="1038036" cy="506277"/>
+          </a:xfrm>
+          <a:custGeom>
+            <a:avLst/>
+            <a:gdLst>
+              <a:gd name="connsiteX0" fmla="*/ 0 w 1038036"/>
+              <a:gd name="connsiteY0" fmla="*/ 0 h 506277"/>
+              <a:gd name="connsiteX1" fmla="*/ 182880 w 1038036"/>
+              <a:gd name="connsiteY1" fmla="*/ 0 h 506277"/>
+              <a:gd name="connsiteX2" fmla="*/ 291705 w 1038036"/>
+              <a:gd name="connsiteY2" fmla="*/ 0 h 506277"/>
+              <a:gd name="connsiteX3" fmla="*/ 291705 w 1038036"/>
+              <a:gd name="connsiteY3" fmla="*/ 151 h 506277"/>
+              <a:gd name="connsiteX4" fmla="*/ 692049 w 1038036"/>
+              <a:gd name="connsiteY4" fmla="*/ 705 h 506277"/>
+              <a:gd name="connsiteX5" fmla="*/ 782744 w 1038036"/>
+              <a:gd name="connsiteY5" fmla="*/ 705 h 506277"/>
+              <a:gd name="connsiteX6" fmla="*/ 797001 w 1038036"/>
+              <a:gd name="connsiteY6" fmla="*/ 5473 h 506277"/>
+              <a:gd name="connsiteX7" fmla="*/ 801982 w 1038036"/>
+              <a:gd name="connsiteY7" fmla="*/ 10242 h 506277"/>
+              <a:gd name="connsiteX8" fmla="*/ 1030951 w 1038036"/>
+              <a:gd name="connsiteY8" fmla="*/ 239185 h 506277"/>
+              <a:gd name="connsiteX9" fmla="*/ 1030951 w 1038036"/>
+              <a:gd name="connsiteY9" fmla="*/ 267797 h 506277"/>
+              <a:gd name="connsiteX10" fmla="*/ 801982 w 1038036"/>
+              <a:gd name="connsiteY10" fmla="*/ 496740 h 506277"/>
+              <a:gd name="connsiteX11" fmla="*/ 797001 w 1038036"/>
+              <a:gd name="connsiteY11" fmla="*/ 501508 h 506277"/>
+              <a:gd name="connsiteX12" fmla="*/ 782744 w 1038036"/>
+              <a:gd name="connsiteY12" fmla="*/ 506277 h 506277"/>
+              <a:gd name="connsiteX13" fmla="*/ 692049 w 1038036"/>
+              <a:gd name="connsiteY13" fmla="*/ 506277 h 506277"/>
+              <a:gd name="connsiteX14" fmla="*/ 291705 w 1038036"/>
+              <a:gd name="connsiteY14" fmla="*/ 505140 h 506277"/>
+              <a:gd name="connsiteX15" fmla="*/ 291705 w 1038036"/>
+              <a:gd name="connsiteY15" fmla="*/ 506277 h 506277"/>
+              <a:gd name="connsiteX16" fmla="*/ 0 w 1038036"/>
+              <a:gd name="connsiteY16" fmla="*/ 506277 h 506277"/>
+            </a:gdLst>
+            <a:ahLst/>
+            <a:cxnLst>
+              <a:cxn ang="0">
+                <a:pos x="connsiteX0" y="connsiteY0"/>
+              </a:cxn>
+              <a:cxn ang="0">
+                <a:pos x="connsiteX1" y="connsiteY1"/>
+              </a:cxn>
+              <a:cxn ang="0">
+                <a:pos x="connsiteX2" y="connsiteY2"/>
+              </a:cxn>
+              <a:cxn ang="0">
+                <a:pos x="connsiteX3" y="connsiteY3"/>
+              </a:cxn>
+              <a:cxn ang="0">
+                <a:pos x="connsiteX4" y="connsiteY4"/>
+              </a:cxn>
+              <a:cxn ang="0">
+                <a:pos x="connsiteX5" y="connsiteY5"/>
+              </a:cxn>
+              <a:cxn ang="0">
+                <a:pos x="connsiteX6" y="connsiteY6"/>
+              </a:cxn>
+              <a:cxn ang="0">
+                <a:pos x="connsiteX7" y="connsiteY7"/>
+              </a:cxn>
+              <a:cxn ang="0">
+                <a:pos x="connsiteX8" y="connsiteY8"/>
+              </a:cxn>
+              <a:cxn ang="0">
+                <a:pos x="connsiteX9" y="connsiteY9"/>
+              </a:cxn>
+              <a:cxn ang="0">
+                <a:pos x="connsiteX10" y="connsiteY10"/>
+              </a:cxn>
+              <a:cxn ang="0">
+                <a:pos x="connsiteX11" y="connsiteY11"/>
+              </a:cxn>
+              <a:cxn ang="0">
+                <a:pos x="connsiteX12" y="connsiteY12"/>
+              </a:cxn>
+              <a:cxn ang="0">
+                <a:pos x="connsiteX13" y="connsiteY13"/>
+              </a:cxn>
+              <a:cxn ang="0">
+                <a:pos x="connsiteX14" y="connsiteY14"/>
+              </a:cxn>
+              <a:cxn ang="0">
+                <a:pos x="connsiteX15" y="connsiteY15"/>
+              </a:cxn>
+              <a:cxn ang="0">
+                <a:pos x="connsiteX16" y="connsiteY16"/>
+              </a:cxn>
+            </a:cxnLst>
+            <a:rect l="l" t="t" r="r" b="b"/>
+            <a:pathLst>
+              <a:path w="1038036" h="506277">
+                <a:moveTo>
+                  <a:pt x="0" y="0"/>
+                </a:moveTo>
+                <a:lnTo>
+                  <a:pt x="182880" y="0"/>
+                </a:lnTo>
+                <a:lnTo>
+                  <a:pt x="291705" y="0"/>
+                </a:lnTo>
+                <a:lnTo>
+                  <a:pt x="291705" y="151"/>
+                </a:lnTo>
+                <a:lnTo>
+                  <a:pt x="692049" y="705"/>
+                </a:lnTo>
+                <a:lnTo>
+                  <a:pt x="782744" y="705"/>
+                </a:lnTo>
+                <a:cubicBezTo>
+                  <a:pt x="787553" y="705"/>
+                  <a:pt x="792363" y="5473"/>
+                  <a:pt x="797001" y="5473"/>
+                </a:cubicBezTo>
+                <a:cubicBezTo>
+                  <a:pt x="797001" y="10242"/>
+                  <a:pt x="801982" y="10242"/>
+                  <a:pt x="801982" y="10242"/>
+                </a:cubicBezTo>
+                <a:lnTo>
+                  <a:pt x="1030951" y="239185"/>
+                </a:lnTo>
+                <a:cubicBezTo>
+                  <a:pt x="1040398" y="248722"/>
+                  <a:pt x="1040398" y="258259"/>
+                  <a:pt x="1030951" y="267797"/>
+                </a:cubicBezTo>
+                <a:lnTo>
+                  <a:pt x="801982" y="496740"/>
+                </a:lnTo>
+                <a:cubicBezTo>
+                  <a:pt x="800436" y="498363"/>
+                  <a:pt x="798547" y="499885"/>
+                  <a:pt x="797001" y="501508"/>
+                </a:cubicBezTo>
+                <a:cubicBezTo>
+                  <a:pt x="792363" y="506277"/>
+                  <a:pt x="787553" y="506277"/>
+                  <a:pt x="782744" y="506277"/>
+                </a:cubicBezTo>
+                <a:lnTo>
+                  <a:pt x="692049" y="506277"/>
+                </a:lnTo>
+                <a:lnTo>
+                  <a:pt x="291705" y="505140"/>
+                </a:lnTo>
+                <a:lnTo>
+                  <a:pt x="291705" y="506277"/>
+                </a:lnTo>
+                <a:lnTo>
+                  <a:pt x="0" y="506277"/>
+                </a:lnTo>
+                <a:close/>
+              </a:path>
+            </a:pathLst>
+          </a:custGeom>
+          <a:ln>
+            <a:noFill/>
+          </a:ln>
+        </p:spPr>
+        <p:style>
+          <a:lnRef idx="2">
+            <a:schemeClr val="accent1">
+              <a:shade val="50000"/>
+            </a:schemeClr>
+          </a:lnRef>
+          <a:fillRef idx="1">
+            <a:schemeClr val="accent1"/>
+          </a:fillRef>
+          <a:effectRef idx="0">
+            <a:schemeClr val="accent1"/>
+          </a:effectRef>
+          <a:fontRef idx="minor">
+            <a:schemeClr val="lt1"/>
+          </a:fontRef>
+        </p:style>
+        <p:txBody>
+          <a:bodyPr rtlCol="0" anchor="ctr"/>
+          <a:lstStyle/>
+          <a:p>
+            <a:pPr algn="ctr"/>
             <a:endParaRPr lang="en-US"/>
+          </a:p>
+        </p:txBody>
+      </p:sp>
+      <p:pic>
+        <p:nvPicPr>
+          <p:cNvPr id="11268" name="Picture 4" descr="https://www.dendroapp.frec.vt.edu/VT_Assets/Fact_Sheets/images/Sassafras%20albidum/fruit1.jpg">
+            <a:extLst>
+              <a:ext uri="{FF2B5EF4-FFF2-40B4-BE49-F238E27FC236}">
+                <a16:creationId xmlns:a16="http://schemas.microsoft.com/office/drawing/2014/main" id="{B58906FB-F2D6-428C-B4E8-474F29C9855D}"/>
+              </a:ext>
+            </a:extLst>
+          </p:cNvPr>
+          <p:cNvPicPr>
+            <a:picLocks noChangeAspect="1" noChangeArrowheads="1"/>
+          </p:cNvPicPr>
+          <p:nvPr/>
+        </p:nvPicPr>
+        <p:blipFill>
+          <a:blip r:embed="rId3">
+            <a:extLst>
+              <a:ext uri="{28A0092B-C50C-407E-A947-70E740481C1C}">
+                <a14:useLocalDpi xmlns:a14="http://schemas.microsoft.com/office/drawing/2010/main" val="0"/>
+              </a:ext>
+            </a:extLst>
+          </a:blip>
+          <a:srcRect/>
+          <a:stretch>
+            <a:fillRect/>
+          </a:stretch>
+        </p:blipFill>
+        <p:spPr bwMode="auto">
+          <a:xfrm>
+            <a:off x="5572821" y="760824"/>
+            <a:ext cx="1694608" cy="2293101"/>
+          </a:xfrm>
+          <a:prstGeom prst="rect">
+            <a:avLst/>
+          </a:prstGeom>
+          <a:noFill/>
+          <a:extLst>
+            <a:ext uri="{909E8E84-426E-40DD-AFC4-6F175D3DCCD1}">
+              <a14:hiddenFill xmlns:a14="http://schemas.microsoft.com/office/drawing/2010/main">
+                <a:solidFill>
+                  <a:srgbClr val="FFFFFF"/>
+                </a:solidFill>
+              </a14:hiddenFill>
+            </a:ext>
+          </a:extLst>
+        </p:spPr>
+      </p:pic>
+      <p:sp>
+        <p:nvSpPr>
+          <p:cNvPr id="4" name="TextBox 3">
+            <a:extLst>
+              <a:ext uri="{FF2B5EF4-FFF2-40B4-BE49-F238E27FC236}">
+                <a16:creationId xmlns:a16="http://schemas.microsoft.com/office/drawing/2014/main" id="{8055E099-91D0-42F4-9891-88C36C948C2E}"/>
+              </a:ext>
+            </a:extLst>
+          </p:cNvPr>
+          <p:cNvSpPr txBox="1"/>
+          <p:nvPr/>
+        </p:nvSpPr>
+        <p:spPr>
+          <a:xfrm>
+            <a:off x="7267429" y="5892853"/>
+            <a:ext cx="4505471" cy="400110"/>
+          </a:xfrm>
+          <a:prstGeom prst="rect">
+            <a:avLst/>
+          </a:prstGeom>
+          <a:noFill/>
+        </p:spPr>
+        <p:txBody>
+          <a:bodyPr wrap="square" rtlCol="0">
+            <a:spAutoFit/>
+          </a:bodyPr>
+          <a:lstStyle/>
+          <a:p>
+            <a:r>
+              <a:rPr lang="en-US" sz="1000" dirty="0"/>
+              <a:t>Source: </a:t>
+            </a:r>
+            <a:r>
+              <a:rPr lang="en-US" sz="1000" dirty="0">
+                <a:hlinkClick r:id="rId4"/>
+              </a:rPr>
+              <a:t>http://dendro.cnre.vt.edu/dendrology/syllabus/factsheet.cfm?ID=84</a:t>
+            </a:r>
+            <a:endParaRPr lang="en-US" sz="1000" dirty="0"/>
           </a:p>
         </p:txBody>
       </p:sp>
@@ -20244,6 +22951,32 @@
 <file path=ppt/slides/slide66.xml><?xml version="1.0" encoding="utf-8"?>
 <p:sld xmlns:a="http://schemas.openxmlformats.org/drawingml/2006/main" xmlns:r="http://schemas.openxmlformats.org/officeDocument/2006/relationships" xmlns:p="http://schemas.openxmlformats.org/presentationml/2006/main">
   <p:cSld>
+    <p:bg>
+      <p:bgPr>
+        <a:gradFill rotWithShape="1">
+          <a:gsLst>
+            <a:gs pos="0">
+              <a:schemeClr val="bg2">
+                <a:tint val="90000"/>
+                <a:satMod val="92000"/>
+                <a:lumMod val="120000"/>
+              </a:schemeClr>
+            </a:gs>
+            <a:gs pos="100000">
+              <a:schemeClr val="bg2">
+                <a:shade val="98000"/>
+                <a:satMod val="120000"/>
+                <a:lumMod val="98000"/>
+              </a:schemeClr>
+            </a:gs>
+          </a:gsLst>
+          <a:path path="circle">
+            <a:fillToRect l="50000" t="50000" r="100000" b="100000"/>
+          </a:path>
+        </a:gradFill>
+        <a:effectLst/>
+      </p:bgPr>
+    </p:bg>
     <p:spTree>
       <p:nvGrpSpPr>
         <p:cNvPr id="1" name=""/>
@@ -20258,6 +22991,66 @@
           <a:chExt cx="0" cy="0"/>
         </a:xfrm>
       </p:grpSpPr>
+      <p:sp useBgFill="1">
+        <p:nvSpPr>
+          <p:cNvPr id="71" name="Rectangle 70">
+            <a:extLst>
+              <a:ext uri="{FF2B5EF4-FFF2-40B4-BE49-F238E27FC236}">
+                <a16:creationId xmlns:a16="http://schemas.microsoft.com/office/drawing/2014/main" id="{3419E28B-721B-4D0D-A1D3-78EAC57253AF}"/>
+              </a:ext>
+              <a:ext uri="{C183D7F6-B498-43B3-948B-1728B52AA6E4}">
+                <adec:decorative xmlns:adec="http://schemas.microsoft.com/office/drawing/2017/decorative" val="1"/>
+              </a:ext>
+            </a:extLst>
+          </p:cNvPr>
+          <p:cNvSpPr>
+            <a:spLocks noGrp="1" noRot="1" noChangeAspect="1" noMove="1" noResize="1" noEditPoints="1" noAdjustHandles="1" noChangeArrowheads="1" noChangeShapeType="1" noTextEdit="1"/>
+          </p:cNvSpPr>
+          <p:nvPr>
+            <p:extLst>
+              <p:ext uri="{386F3935-93C4-4BCD-93E2-E3B085C9AB24}">
+                <p16:designElem xmlns:p16="http://schemas.microsoft.com/office/powerpoint/2015/main" val="1"/>
+              </p:ext>
+            </p:extLst>
+          </p:nvPr>
+        </p:nvSpPr>
+        <p:spPr>
+          <a:xfrm>
+            <a:off x="0" y="-786"/>
+            <a:ext cx="12192000" cy="6854038"/>
+          </a:xfrm>
+          <a:prstGeom prst="rect">
+            <a:avLst/>
+          </a:prstGeom>
+          <a:ln>
+            <a:noFill/>
+          </a:ln>
+        </p:spPr>
+        <p:style>
+          <a:lnRef idx="2">
+            <a:schemeClr val="accent1">
+              <a:shade val="50000"/>
+            </a:schemeClr>
+          </a:lnRef>
+          <a:fillRef idx="1">
+            <a:schemeClr val="accent1"/>
+          </a:fillRef>
+          <a:effectRef idx="0">
+            <a:schemeClr val="accent1"/>
+          </a:effectRef>
+          <a:fontRef idx="minor">
+            <a:schemeClr val="lt1"/>
+          </a:fontRef>
+        </p:style>
+        <p:txBody>
+          <a:bodyPr rtlCol="0" anchor="ctr"/>
+          <a:lstStyle/>
+          <a:p>
+            <a:pPr algn="ctr"/>
+            <a:endParaRPr lang="en-US"/>
+          </a:p>
+        </p:txBody>
+      </p:sp>
       <p:sp>
         <p:nvSpPr>
           <p:cNvPr id="2" name="Title 1">
@@ -20274,9 +23067,16 @@
             <p:ph type="title"/>
           </p:nvPr>
         </p:nvSpPr>
-        <p:spPr/>
-        <p:txBody>
-          <a:bodyPr/>
+        <p:spPr>
+          <a:xfrm>
+            <a:off x="649224" y="645106"/>
+            <a:ext cx="5122652" cy="1259894"/>
+          </a:xfrm>
+        </p:spPr>
+        <p:txBody>
+          <a:bodyPr>
+            <a:normAutofit/>
+          </a:bodyPr>
           <a:lstStyle/>
           <a:p>
             <a:r>
@@ -20293,6 +23093,60 @@
       </p:sp>
       <p:sp>
         <p:nvSpPr>
+          <p:cNvPr id="73" name="Rectangle 72">
+            <a:extLst>
+              <a:ext uri="{FF2B5EF4-FFF2-40B4-BE49-F238E27FC236}">
+                <a16:creationId xmlns:a16="http://schemas.microsoft.com/office/drawing/2014/main" id="{359E45B9-0D24-465E-84AD-FEDBA836B569}"/>
+              </a:ext>
+              <a:ext uri="{C183D7F6-B498-43B3-948B-1728B52AA6E4}">
+                <adec:decorative xmlns:adec="http://schemas.microsoft.com/office/drawing/2017/decorative" val="1"/>
+              </a:ext>
+            </a:extLst>
+          </p:cNvPr>
+          <p:cNvSpPr>
+            <a:spLocks noGrp="1" noRot="1" noChangeAspect="1" noMove="1" noResize="1" noEditPoints="1" noAdjustHandles="1" noChangeArrowheads="1" noChangeShapeType="1" noTextEdit="1"/>
+          </p:cNvSpPr>
+          <p:nvPr>
+            <p:extLst>
+              <p:ext uri="{386F3935-93C4-4BCD-93E2-E3B085C9AB24}">
+                <p16:designElem xmlns:p16="http://schemas.microsoft.com/office/powerpoint/2015/main" val="1"/>
+              </p:ext>
+            </p:extLst>
+          </p:nvPr>
+        </p:nvSpPr>
+        <p:spPr>
+          <a:xfrm>
+            <a:off x="0" y="0"/>
+            <a:ext cx="182880" cy="6858000"/>
+          </a:xfrm>
+          <a:prstGeom prst="rect">
+            <a:avLst/>
+          </a:prstGeom>
+          <a:solidFill>
+            <a:schemeClr val="tx2"/>
+          </a:solidFill>
+          <a:ln>
+            <a:noFill/>
+          </a:ln>
+          <a:effectLst/>
+        </p:spPr>
+        <p:style>
+          <a:lnRef idx="1">
+            <a:schemeClr val="accent1"/>
+          </a:lnRef>
+          <a:fillRef idx="3">
+            <a:schemeClr val="accent1"/>
+          </a:fillRef>
+          <a:effectRef idx="2">
+            <a:schemeClr val="accent1"/>
+          </a:effectRef>
+          <a:fontRef idx="minor">
+            <a:schemeClr val="lt1"/>
+          </a:fontRef>
+        </p:style>
+      </p:sp>
+      <p:sp>
+        <p:nvSpPr>
           <p:cNvPr id="3" name="Content Placeholder 2">
             <a:extLst>
               <a:ext uri="{FF2B5EF4-FFF2-40B4-BE49-F238E27FC236}">
@@ -20307,12 +23161,375 @@
             <p:ph idx="1"/>
           </p:nvPr>
         </p:nvSpPr>
-        <p:spPr/>
-        <p:txBody>
-          <a:bodyPr/>
-          <a:lstStyle/>
-          <a:p>
+        <p:spPr>
+          <a:xfrm>
+            <a:off x="649225" y="2133600"/>
+            <a:ext cx="5122652" cy="3759253"/>
+          </a:xfrm>
+        </p:spPr>
+        <p:txBody>
+          <a:bodyPr>
+            <a:normAutofit/>
+          </a:bodyPr>
+          <a:lstStyle/>
+          <a:p>
+            <a:pPr marL="0" indent="0">
+              <a:buNone/>
+            </a:pPr>
+            <a:r>
+              <a:rPr lang="en-US" dirty="0" err="1"/>
+              <a:t>Mapleleaf</a:t>
+            </a:r>
+            <a:r>
+              <a:rPr lang="en-US" dirty="0"/>
+              <a:t> viburnum</a:t>
+            </a:r>
+          </a:p>
+          <a:p>
+            <a:endParaRPr lang="en-US" b="1" dirty="0"/>
+          </a:p>
+          <a:p>
+            <a:r>
+              <a:rPr lang="en-US" b="1" dirty="0"/>
+              <a:t>Looks like small maple leaves but NO RED STEM</a:t>
+            </a:r>
+          </a:p>
+          <a:p>
+            <a:r>
+              <a:rPr lang="en-US" dirty="0"/>
+              <a:t>Opposite leaves and </a:t>
+            </a:r>
+            <a:r>
+              <a:rPr lang="en-US" b="1" dirty="0"/>
+              <a:t>very fuzzy</a:t>
+            </a:r>
+          </a:p>
+          <a:p>
+            <a:r>
+              <a:rPr lang="en-US" dirty="0"/>
+              <a:t>We don’t have many of these tagged in the census, but there are many of these in the deer </a:t>
+            </a:r>
+            <a:r>
+              <a:rPr lang="en-US" dirty="0" err="1"/>
+              <a:t>exclosure</a:t>
+            </a:r>
+            <a:r>
+              <a:rPr lang="en-US" dirty="0"/>
+              <a:t> (</a:t>
+            </a:r>
+            <a:r>
+              <a:rPr lang="en-US" dirty="0" err="1"/>
+              <a:t>esp</a:t>
+            </a:r>
+            <a:r>
+              <a:rPr lang="en-US" dirty="0"/>
+              <a:t> the SW part) as small shrubs</a:t>
+            </a:r>
+          </a:p>
+        </p:txBody>
+      </p:sp>
+      <p:pic>
+        <p:nvPicPr>
+          <p:cNvPr id="13314" name="Picture 2" descr="https://www.dendroapp.frec.vt.edu/VT_Assets/Fact_Sheets/images/Viburnum%20acerifolium/leaf1.jpg">
+            <a:extLst>
+              <a:ext uri="{FF2B5EF4-FFF2-40B4-BE49-F238E27FC236}">
+                <a16:creationId xmlns:a16="http://schemas.microsoft.com/office/drawing/2014/main" id="{60940191-999A-4A48-8F31-5BB43311FA40}"/>
+              </a:ext>
+            </a:extLst>
+          </p:cNvPr>
+          <p:cNvPicPr>
+            <a:picLocks noChangeAspect="1" noChangeArrowheads="1"/>
+          </p:cNvPicPr>
+          <p:nvPr/>
+        </p:nvPicPr>
+        <p:blipFill>
+          <a:blip r:embed="rId2">
+            <a:extLst>
+              <a:ext uri="{28A0092B-C50C-407E-A947-70E740481C1C}">
+                <a14:useLocalDpi xmlns:a14="http://schemas.microsoft.com/office/drawing/2010/main" val="0"/>
+              </a:ext>
+            </a:extLst>
+          </a:blip>
+          <a:stretch>
+            <a:fillRect/>
+          </a:stretch>
+        </p:blipFill>
+        <p:spPr bwMode="auto">
+          <a:xfrm>
+            <a:off x="6889182" y="645106"/>
+            <a:ext cx="3857094" cy="5247747"/>
+          </a:xfrm>
+          <a:prstGeom prst="rect">
+            <a:avLst/>
+          </a:prstGeom>
+          <a:noFill/>
+          <a:extLst>
+            <a:ext uri="{909E8E84-426E-40DD-AFC4-6F175D3DCCD1}">
+              <a14:hiddenFill xmlns:a14="http://schemas.microsoft.com/office/drawing/2010/main">
+                <a:solidFill>
+                  <a:srgbClr val="FFFFFF"/>
+                </a:solidFill>
+              </a14:hiddenFill>
+            </a:ext>
+          </a:extLst>
+        </p:spPr>
+      </p:pic>
+      <p:sp>
+        <p:nvSpPr>
+          <p:cNvPr id="75" name="Freeform 12">
+            <a:extLst>
+              <a:ext uri="{FF2B5EF4-FFF2-40B4-BE49-F238E27FC236}">
+                <a16:creationId xmlns:a16="http://schemas.microsoft.com/office/drawing/2014/main" id="{1F36A2FB-17CD-4DA6-9D8A-BFD6ADF6A321}"/>
+              </a:ext>
+              <a:ext uri="{C183D7F6-B498-43B3-948B-1728B52AA6E4}">
+                <adec:decorative xmlns:adec="http://schemas.microsoft.com/office/drawing/2017/decorative" val="1"/>
+              </a:ext>
+            </a:extLst>
+          </p:cNvPr>
+          <p:cNvSpPr>
+            <a:spLocks noGrp="1" noRot="1" noChangeAspect="1" noMove="1" noResize="1" noEditPoints="1" noAdjustHandles="1" noChangeArrowheads="1" noChangeShapeType="1" noTextEdit="1"/>
+          </p:cNvSpPr>
+          <p:nvPr>
+            <p:extLst>
+              <p:ext uri="{386F3935-93C4-4BCD-93E2-E3B085C9AB24}">
+                <p16:designElem xmlns:p16="http://schemas.microsoft.com/office/powerpoint/2015/main" val="1"/>
+              </p:ext>
+            </p:extLst>
+          </p:nvPr>
+        </p:nvSpPr>
+        <p:spPr>
+          <a:xfrm>
+            <a:off x="-1" y="6061223"/>
+            <a:ext cx="1038036" cy="506277"/>
+          </a:xfrm>
+          <a:custGeom>
+            <a:avLst/>
+            <a:gdLst>
+              <a:gd name="connsiteX0" fmla="*/ 0 w 1038036"/>
+              <a:gd name="connsiteY0" fmla="*/ 0 h 506277"/>
+              <a:gd name="connsiteX1" fmla="*/ 182880 w 1038036"/>
+              <a:gd name="connsiteY1" fmla="*/ 0 h 506277"/>
+              <a:gd name="connsiteX2" fmla="*/ 291705 w 1038036"/>
+              <a:gd name="connsiteY2" fmla="*/ 0 h 506277"/>
+              <a:gd name="connsiteX3" fmla="*/ 291705 w 1038036"/>
+              <a:gd name="connsiteY3" fmla="*/ 151 h 506277"/>
+              <a:gd name="connsiteX4" fmla="*/ 692049 w 1038036"/>
+              <a:gd name="connsiteY4" fmla="*/ 705 h 506277"/>
+              <a:gd name="connsiteX5" fmla="*/ 782744 w 1038036"/>
+              <a:gd name="connsiteY5" fmla="*/ 705 h 506277"/>
+              <a:gd name="connsiteX6" fmla="*/ 797001 w 1038036"/>
+              <a:gd name="connsiteY6" fmla="*/ 5473 h 506277"/>
+              <a:gd name="connsiteX7" fmla="*/ 801982 w 1038036"/>
+              <a:gd name="connsiteY7" fmla="*/ 10242 h 506277"/>
+              <a:gd name="connsiteX8" fmla="*/ 1030951 w 1038036"/>
+              <a:gd name="connsiteY8" fmla="*/ 239185 h 506277"/>
+              <a:gd name="connsiteX9" fmla="*/ 1030951 w 1038036"/>
+              <a:gd name="connsiteY9" fmla="*/ 267797 h 506277"/>
+              <a:gd name="connsiteX10" fmla="*/ 801982 w 1038036"/>
+              <a:gd name="connsiteY10" fmla="*/ 496740 h 506277"/>
+              <a:gd name="connsiteX11" fmla="*/ 797001 w 1038036"/>
+              <a:gd name="connsiteY11" fmla="*/ 501508 h 506277"/>
+              <a:gd name="connsiteX12" fmla="*/ 782744 w 1038036"/>
+              <a:gd name="connsiteY12" fmla="*/ 506277 h 506277"/>
+              <a:gd name="connsiteX13" fmla="*/ 692049 w 1038036"/>
+              <a:gd name="connsiteY13" fmla="*/ 506277 h 506277"/>
+              <a:gd name="connsiteX14" fmla="*/ 291705 w 1038036"/>
+              <a:gd name="connsiteY14" fmla="*/ 505140 h 506277"/>
+              <a:gd name="connsiteX15" fmla="*/ 291705 w 1038036"/>
+              <a:gd name="connsiteY15" fmla="*/ 506277 h 506277"/>
+              <a:gd name="connsiteX16" fmla="*/ 0 w 1038036"/>
+              <a:gd name="connsiteY16" fmla="*/ 506277 h 506277"/>
+            </a:gdLst>
+            <a:ahLst/>
+            <a:cxnLst>
+              <a:cxn ang="0">
+                <a:pos x="connsiteX0" y="connsiteY0"/>
+              </a:cxn>
+              <a:cxn ang="0">
+                <a:pos x="connsiteX1" y="connsiteY1"/>
+              </a:cxn>
+              <a:cxn ang="0">
+                <a:pos x="connsiteX2" y="connsiteY2"/>
+              </a:cxn>
+              <a:cxn ang="0">
+                <a:pos x="connsiteX3" y="connsiteY3"/>
+              </a:cxn>
+              <a:cxn ang="0">
+                <a:pos x="connsiteX4" y="connsiteY4"/>
+              </a:cxn>
+              <a:cxn ang="0">
+                <a:pos x="connsiteX5" y="connsiteY5"/>
+              </a:cxn>
+              <a:cxn ang="0">
+                <a:pos x="connsiteX6" y="connsiteY6"/>
+              </a:cxn>
+              <a:cxn ang="0">
+                <a:pos x="connsiteX7" y="connsiteY7"/>
+              </a:cxn>
+              <a:cxn ang="0">
+                <a:pos x="connsiteX8" y="connsiteY8"/>
+              </a:cxn>
+              <a:cxn ang="0">
+                <a:pos x="connsiteX9" y="connsiteY9"/>
+              </a:cxn>
+              <a:cxn ang="0">
+                <a:pos x="connsiteX10" y="connsiteY10"/>
+              </a:cxn>
+              <a:cxn ang="0">
+                <a:pos x="connsiteX11" y="connsiteY11"/>
+              </a:cxn>
+              <a:cxn ang="0">
+                <a:pos x="connsiteX12" y="connsiteY12"/>
+              </a:cxn>
+              <a:cxn ang="0">
+                <a:pos x="connsiteX13" y="connsiteY13"/>
+              </a:cxn>
+              <a:cxn ang="0">
+                <a:pos x="connsiteX14" y="connsiteY14"/>
+              </a:cxn>
+              <a:cxn ang="0">
+                <a:pos x="connsiteX15" y="connsiteY15"/>
+              </a:cxn>
+              <a:cxn ang="0">
+                <a:pos x="connsiteX16" y="connsiteY16"/>
+              </a:cxn>
+            </a:cxnLst>
+            <a:rect l="l" t="t" r="r" b="b"/>
+            <a:pathLst>
+              <a:path w="1038036" h="506277">
+                <a:moveTo>
+                  <a:pt x="0" y="0"/>
+                </a:moveTo>
+                <a:lnTo>
+                  <a:pt x="182880" y="0"/>
+                </a:lnTo>
+                <a:lnTo>
+                  <a:pt x="291705" y="0"/>
+                </a:lnTo>
+                <a:lnTo>
+                  <a:pt x="291705" y="151"/>
+                </a:lnTo>
+                <a:lnTo>
+                  <a:pt x="692049" y="705"/>
+                </a:lnTo>
+                <a:lnTo>
+                  <a:pt x="782744" y="705"/>
+                </a:lnTo>
+                <a:cubicBezTo>
+                  <a:pt x="787553" y="705"/>
+                  <a:pt x="792363" y="5473"/>
+                  <a:pt x="797001" y="5473"/>
+                </a:cubicBezTo>
+                <a:cubicBezTo>
+                  <a:pt x="797001" y="10242"/>
+                  <a:pt x="801982" y="10242"/>
+                  <a:pt x="801982" y="10242"/>
+                </a:cubicBezTo>
+                <a:lnTo>
+                  <a:pt x="1030951" y="239185"/>
+                </a:lnTo>
+                <a:cubicBezTo>
+                  <a:pt x="1040398" y="248722"/>
+                  <a:pt x="1040398" y="258259"/>
+                  <a:pt x="1030951" y="267797"/>
+                </a:cubicBezTo>
+                <a:lnTo>
+                  <a:pt x="801982" y="496740"/>
+                </a:lnTo>
+                <a:cubicBezTo>
+                  <a:pt x="800436" y="498363"/>
+                  <a:pt x="798547" y="499885"/>
+                  <a:pt x="797001" y="501508"/>
+                </a:cubicBezTo>
+                <a:cubicBezTo>
+                  <a:pt x="792363" y="506277"/>
+                  <a:pt x="787553" y="506277"/>
+                  <a:pt x="782744" y="506277"/>
+                </a:cubicBezTo>
+                <a:lnTo>
+                  <a:pt x="692049" y="506277"/>
+                </a:lnTo>
+                <a:lnTo>
+                  <a:pt x="291705" y="505140"/>
+                </a:lnTo>
+                <a:lnTo>
+                  <a:pt x="291705" y="506277"/>
+                </a:lnTo>
+                <a:lnTo>
+                  <a:pt x="0" y="506277"/>
+                </a:lnTo>
+                <a:close/>
+              </a:path>
+            </a:pathLst>
+          </a:custGeom>
+          <a:ln>
+            <a:noFill/>
+          </a:ln>
+        </p:spPr>
+        <p:style>
+          <a:lnRef idx="2">
+            <a:schemeClr val="accent1">
+              <a:shade val="50000"/>
+            </a:schemeClr>
+          </a:lnRef>
+          <a:fillRef idx="1">
+            <a:schemeClr val="accent1"/>
+          </a:fillRef>
+          <a:effectRef idx="0">
+            <a:schemeClr val="accent1"/>
+          </a:effectRef>
+          <a:fontRef idx="minor">
+            <a:schemeClr val="lt1"/>
+          </a:fontRef>
+        </p:style>
+        <p:txBody>
+          <a:bodyPr rtlCol="0" anchor="ctr"/>
+          <a:lstStyle/>
+          <a:p>
+            <a:pPr algn="ctr"/>
             <a:endParaRPr lang="en-US"/>
+          </a:p>
+        </p:txBody>
+      </p:sp>
+      <p:sp>
+        <p:nvSpPr>
+          <p:cNvPr id="4" name="TextBox 3">
+            <a:extLst>
+              <a:ext uri="{FF2B5EF4-FFF2-40B4-BE49-F238E27FC236}">
+                <a16:creationId xmlns:a16="http://schemas.microsoft.com/office/drawing/2014/main" id="{B6377613-5C34-486C-932B-9991BAF381BE}"/>
+              </a:ext>
+            </a:extLst>
+          </p:cNvPr>
+          <p:cNvSpPr txBox="1"/>
+          <p:nvPr/>
+        </p:nvSpPr>
+        <p:spPr>
+          <a:xfrm>
+            <a:off x="6350000" y="6061223"/>
+            <a:ext cx="4559300" cy="400110"/>
+          </a:xfrm>
+          <a:prstGeom prst="rect">
+            <a:avLst/>
+          </a:prstGeom>
+          <a:noFill/>
+        </p:spPr>
+        <p:txBody>
+          <a:bodyPr wrap="square" rtlCol="0">
+            <a:spAutoFit/>
+          </a:bodyPr>
+          <a:lstStyle/>
+          <a:p>
+            <a:r>
+              <a:rPr lang="en-US" sz="1000" dirty="0"/>
+              <a:t>Source: </a:t>
+            </a:r>
+            <a:r>
+              <a:rPr lang="en-US" sz="1000" dirty="0">
+                <a:hlinkClick r:id="rId3"/>
+              </a:rPr>
+              <a:t>http://dendro.cnre.vt.edu/dendrology/syllabus/factsheet.cfm?ID=91</a:t>
+            </a:r>
+            <a:endParaRPr lang="en-US" sz="1000" dirty="0"/>
           </a:p>
         </p:txBody>
       </p:sp>
@@ -20332,6 +23549,32 @@
 <file path=ppt/slides/slide67.xml><?xml version="1.0" encoding="utf-8"?>
 <p:sld xmlns:a="http://schemas.openxmlformats.org/drawingml/2006/main" xmlns:r="http://schemas.openxmlformats.org/officeDocument/2006/relationships" xmlns:p="http://schemas.openxmlformats.org/presentationml/2006/main">
   <p:cSld>
+    <p:bg>
+      <p:bgPr>
+        <a:gradFill rotWithShape="1">
+          <a:gsLst>
+            <a:gs pos="0">
+              <a:schemeClr val="bg2">
+                <a:tint val="90000"/>
+                <a:satMod val="92000"/>
+                <a:lumMod val="120000"/>
+              </a:schemeClr>
+            </a:gs>
+            <a:gs pos="100000">
+              <a:schemeClr val="bg2">
+                <a:shade val="98000"/>
+                <a:satMod val="120000"/>
+                <a:lumMod val="98000"/>
+              </a:schemeClr>
+            </a:gs>
+          </a:gsLst>
+          <a:path path="circle">
+            <a:fillToRect l="50000" t="50000" r="100000" b="100000"/>
+          </a:path>
+        </a:gradFill>
+        <a:effectLst/>
+      </p:bgPr>
+    </p:bg>
     <p:spTree>
       <p:nvGrpSpPr>
         <p:cNvPr id="1" name=""/>
@@ -20362,20 +23605,22 @@
             <p:ph type="title"/>
           </p:nvPr>
         </p:nvSpPr>
-        <p:spPr/>
-        <p:txBody>
-          <a:bodyPr/>
-          <a:lstStyle/>
-          <a:p>
-            <a:r>
-              <a:rPr lang="en-US" dirty="0"/>
-              <a:t>Viburnum </a:t>
-            </a:r>
-            <a:r>
-              <a:rPr lang="en-US" dirty="0" err="1"/>
-              <a:t>prunifolium</a:t>
-            </a:r>
-            <a:endParaRPr lang="en-US" dirty="0"/>
+        <p:spPr>
+          <a:xfrm>
+            <a:off x="1687669" y="624110"/>
+            <a:ext cx="4137059" cy="1280890"/>
+          </a:xfrm>
+        </p:spPr>
+        <p:txBody>
+          <a:bodyPr>
+            <a:normAutofit/>
+          </a:bodyPr>
+          <a:lstStyle/>
+          <a:p>
+            <a:r>
+              <a:rPr lang="en-US" sz="3200"/>
+              <a:t>Viburnum prunifolium</a:t>
+            </a:r>
           </a:p>
         </p:txBody>
       </p:sp>
@@ -20395,12 +23640,266 @@
             <p:ph idx="1"/>
           </p:nvPr>
         </p:nvSpPr>
-        <p:spPr/>
-        <p:txBody>
-          <a:bodyPr/>
-          <a:lstStyle/>
-          <a:p>
-            <a:endParaRPr lang="en-US"/>
+        <p:spPr>
+          <a:xfrm>
+            <a:off x="1683956" y="2133600"/>
+            <a:ext cx="4140772" cy="3777622"/>
+          </a:xfrm>
+        </p:spPr>
+        <p:txBody>
+          <a:bodyPr>
+            <a:normAutofit/>
+          </a:bodyPr>
+          <a:lstStyle/>
+          <a:p>
+            <a:pPr marL="0" indent="0">
+              <a:buNone/>
+            </a:pPr>
+            <a:r>
+              <a:rPr lang="en-US" sz="1600" dirty="0" err="1">
+                <a:solidFill>
+                  <a:srgbClr val="000000"/>
+                </a:solidFill>
+              </a:rPr>
+              <a:t>Blackhaw</a:t>
+            </a:r>
+            <a:endParaRPr lang="en-US" sz="1600" dirty="0">
+              <a:solidFill>
+                <a:srgbClr val="000000"/>
+              </a:solidFill>
+            </a:endParaRPr>
+          </a:p>
+          <a:p>
+            <a:endParaRPr lang="en-US" sz="1600" b="1" dirty="0">
+              <a:solidFill>
+                <a:srgbClr val="000000"/>
+              </a:solidFill>
+            </a:endParaRPr>
+          </a:p>
+          <a:p>
+            <a:r>
+              <a:rPr lang="en-US" sz="1600" dirty="0">
+                <a:solidFill>
+                  <a:srgbClr val="000000"/>
+                </a:solidFill>
+              </a:rPr>
+              <a:t>Large shrub or small tree</a:t>
+            </a:r>
+          </a:p>
+          <a:p>
+            <a:r>
+              <a:rPr lang="en-US" sz="1600" b="1" dirty="0">
+                <a:solidFill>
+                  <a:srgbClr val="000000"/>
+                </a:solidFill>
+              </a:rPr>
+              <a:t>Bark looks like alligator hide</a:t>
+            </a:r>
+          </a:p>
+          <a:p>
+            <a:r>
+              <a:rPr lang="en-US" sz="1600" b="1" dirty="0">
+                <a:solidFill>
+                  <a:srgbClr val="000000"/>
+                </a:solidFill>
+              </a:rPr>
+              <a:t>Look like cherry leaves</a:t>
+            </a:r>
+          </a:p>
+          <a:p>
+            <a:pPr lvl="1"/>
+            <a:r>
+              <a:rPr lang="en-US" dirty="0">
+                <a:solidFill>
+                  <a:srgbClr val="000000"/>
+                </a:solidFill>
+              </a:rPr>
+              <a:t>BUT are </a:t>
+            </a:r>
+            <a:r>
+              <a:rPr lang="en-US" b="1" dirty="0">
+                <a:solidFill>
+                  <a:srgbClr val="000000"/>
+                </a:solidFill>
+              </a:rPr>
+              <a:t>opposite</a:t>
+            </a:r>
+            <a:r>
+              <a:rPr lang="en-US" dirty="0">
+                <a:solidFill>
+                  <a:srgbClr val="000000"/>
+                </a:solidFill>
+              </a:rPr>
+              <a:t> (Prunus is not opposite)</a:t>
+            </a:r>
+          </a:p>
+          <a:p>
+            <a:r>
+              <a:rPr lang="en-US" sz="1600" dirty="0">
+                <a:solidFill>
+                  <a:srgbClr val="000000"/>
+                </a:solidFill>
+              </a:rPr>
+              <a:t>Most common Viburnum in </a:t>
+            </a:r>
+            <a:r>
+              <a:rPr lang="en-US" sz="1600" dirty="0" err="1">
+                <a:solidFill>
+                  <a:srgbClr val="000000"/>
+                </a:solidFill>
+              </a:rPr>
+              <a:t>ForestGEO</a:t>
+            </a:r>
+            <a:r>
+              <a:rPr lang="en-US" sz="1600" dirty="0">
+                <a:solidFill>
+                  <a:srgbClr val="000000"/>
+                </a:solidFill>
+              </a:rPr>
+              <a:t> census</a:t>
+            </a:r>
+          </a:p>
+          <a:p>
+            <a:endParaRPr lang="en-US" sz="1600" b="1" dirty="0">
+              <a:solidFill>
+                <a:srgbClr val="000000"/>
+              </a:solidFill>
+            </a:endParaRPr>
+          </a:p>
+        </p:txBody>
+      </p:sp>
+      <p:pic>
+        <p:nvPicPr>
+          <p:cNvPr id="14338" name="Picture 2" descr="https://www.dendroapp.frec.vt.edu/VT_Assets/Fact_Sheets/images/Viburnum%20prunifolium/leaf1.jpg">
+            <a:extLst>
+              <a:ext uri="{FF2B5EF4-FFF2-40B4-BE49-F238E27FC236}">
+                <a16:creationId xmlns:a16="http://schemas.microsoft.com/office/drawing/2014/main" id="{D9ADE2E9-E1D8-43D3-A39D-DC894C6F5DAF}"/>
+              </a:ext>
+            </a:extLst>
+          </p:cNvPr>
+          <p:cNvPicPr>
+            <a:picLocks noChangeAspect="1" noChangeArrowheads="1"/>
+          </p:cNvPicPr>
+          <p:nvPr/>
+        </p:nvPicPr>
+        <p:blipFill>
+          <a:blip r:embed="rId2">
+            <a:extLst>
+              <a:ext uri="{28A0092B-C50C-407E-A947-70E740481C1C}">
+                <a14:useLocalDpi xmlns:a14="http://schemas.microsoft.com/office/drawing/2010/main" val="0"/>
+              </a:ext>
+            </a:extLst>
+          </a:blip>
+          <a:stretch>
+            <a:fillRect/>
+          </a:stretch>
+        </p:blipFill>
+        <p:spPr bwMode="auto">
+          <a:xfrm>
+            <a:off x="8236097" y="663475"/>
+            <a:ext cx="3188006" cy="5247747"/>
+          </a:xfrm>
+          <a:prstGeom prst="rect">
+            <a:avLst/>
+          </a:prstGeom>
+          <a:noFill/>
+          <a:extLst>
+            <a:ext uri="{909E8E84-426E-40DD-AFC4-6F175D3DCCD1}">
+              <a14:hiddenFill xmlns:a14="http://schemas.microsoft.com/office/drawing/2010/main">
+                <a:solidFill>
+                  <a:srgbClr val="FFFFFF"/>
+                </a:solidFill>
+              </a14:hiddenFill>
+            </a:ext>
+          </a:extLst>
+        </p:spPr>
+      </p:pic>
+      <p:pic>
+        <p:nvPicPr>
+          <p:cNvPr id="14340" name="Picture 4" descr="https://www.dendroapp.frec.vt.edu/VT_Assets/Fact_Sheets/images/Viburnum%20prunifolium/bark1.jpg">
+            <a:extLst>
+              <a:ext uri="{FF2B5EF4-FFF2-40B4-BE49-F238E27FC236}">
+                <a16:creationId xmlns:a16="http://schemas.microsoft.com/office/drawing/2014/main" id="{C5074FBF-4404-4444-8C38-8C91B60E6E09}"/>
+              </a:ext>
+            </a:extLst>
+          </p:cNvPr>
+          <p:cNvPicPr>
+            <a:picLocks noChangeAspect="1" noChangeArrowheads="1"/>
+          </p:cNvPicPr>
+          <p:nvPr/>
+        </p:nvPicPr>
+        <p:blipFill>
+          <a:blip r:embed="rId3">
+            <a:extLst>
+              <a:ext uri="{28A0092B-C50C-407E-A947-70E740481C1C}">
+                <a14:useLocalDpi xmlns:a14="http://schemas.microsoft.com/office/drawing/2010/main" val="0"/>
+              </a:ext>
+            </a:extLst>
+          </a:blip>
+          <a:srcRect/>
+          <a:stretch>
+            <a:fillRect/>
+          </a:stretch>
+        </p:blipFill>
+        <p:spPr bwMode="auto">
+          <a:xfrm>
+            <a:off x="5974510" y="1469571"/>
+            <a:ext cx="1876811" cy="2822664"/>
+          </a:xfrm>
+          <a:prstGeom prst="rect">
+            <a:avLst/>
+          </a:prstGeom>
+          <a:noFill/>
+          <a:extLst>
+            <a:ext uri="{909E8E84-426E-40DD-AFC4-6F175D3DCCD1}">
+              <a14:hiddenFill xmlns:a14="http://schemas.microsoft.com/office/drawing/2010/main">
+                <a:solidFill>
+                  <a:srgbClr val="FFFFFF"/>
+                </a:solidFill>
+              </a14:hiddenFill>
+            </a:ext>
+          </a:extLst>
+        </p:spPr>
+      </p:pic>
+      <p:sp>
+        <p:nvSpPr>
+          <p:cNvPr id="4" name="TextBox 3">
+            <a:extLst>
+              <a:ext uri="{FF2B5EF4-FFF2-40B4-BE49-F238E27FC236}">
+                <a16:creationId xmlns:a16="http://schemas.microsoft.com/office/drawing/2014/main" id="{CA2F947D-734C-4067-A3FE-CAF3A0D79374}"/>
+              </a:ext>
+            </a:extLst>
+          </p:cNvPr>
+          <p:cNvSpPr txBox="1"/>
+          <p:nvPr/>
+        </p:nvSpPr>
+        <p:spPr>
+          <a:xfrm>
+            <a:off x="7378700" y="6146800"/>
+            <a:ext cx="4381500" cy="553998"/>
+          </a:xfrm>
+          <a:prstGeom prst="rect">
+            <a:avLst/>
+          </a:prstGeom>
+          <a:noFill/>
+        </p:spPr>
+        <p:txBody>
+          <a:bodyPr wrap="square" rtlCol="0">
+            <a:spAutoFit/>
+          </a:bodyPr>
+          <a:lstStyle/>
+          <a:p>
+            <a:r>
+              <a:rPr lang="en-US" sz="1000" dirty="0"/>
+              <a:t>Source: </a:t>
+            </a:r>
+            <a:r>
+              <a:rPr lang="en-US" sz="1000" dirty="0">
+                <a:hlinkClick r:id="rId4"/>
+              </a:rPr>
+              <a:t>http://dendro.cnre.vt.edu/dendrology/syllabus/factsheet.cfm?ID=129</a:t>
+            </a:r>
+            <a:endParaRPr lang="en-US" sz="1000" dirty="0"/>
           </a:p>
         </p:txBody>
       </p:sp>
@@ -20450,30 +23949,26 @@
             <p:ph type="title"/>
           </p:nvPr>
         </p:nvSpPr>
-        <p:spPr/>
-        <p:txBody>
-          <a:bodyPr/>
-          <a:lstStyle/>
-          <a:p>
-            <a:r>
-              <a:rPr lang="en-US" dirty="0"/>
-              <a:t>Viburnum </a:t>
-            </a:r>
-            <a:r>
-              <a:rPr lang="en-US" dirty="0" err="1"/>
-              <a:t>recognitum</a:t>
-            </a:r>
-            <a:r>
-              <a:rPr lang="en-US" dirty="0"/>
-              <a:t> (=V. </a:t>
-            </a:r>
-            <a:r>
-              <a:rPr lang="en-US" dirty="0" err="1"/>
-              <a:t>dentatum</a:t>
-            </a:r>
-            <a:r>
-              <a:rPr lang="en-US" dirty="0"/>
-              <a:t>)</a:t>
+        <p:spPr>
+          <a:xfrm>
+            <a:off x="1687669" y="624110"/>
+            <a:ext cx="4137059" cy="1280890"/>
+          </a:xfrm>
+        </p:spPr>
+        <p:txBody>
+          <a:bodyPr>
+            <a:normAutofit/>
+          </a:bodyPr>
+          <a:lstStyle/>
+          <a:p>
+            <a:pPr>
+              <a:lnSpc>
+                <a:spcPct val="90000"/>
+              </a:lnSpc>
+            </a:pPr>
+            <a:r>
+              <a:rPr lang="en-US" sz="2700"/>
+              <a:t>Viburnum recognitum (=V. dentatum)</a:t>
             </a:r>
           </a:p>
         </p:txBody>
@@ -20494,15 +23989,252 @@
             <p:ph idx="1"/>
           </p:nvPr>
         </p:nvSpPr>
-        <p:spPr/>
-        <p:txBody>
-          <a:bodyPr/>
-          <a:lstStyle/>
-          <a:p>
-            <a:endParaRPr lang="en-US"/>
-          </a:p>
-        </p:txBody>
-      </p:sp>
+        <p:spPr>
+          <a:xfrm>
+            <a:off x="1683956" y="2133600"/>
+            <a:ext cx="4140772" cy="3777622"/>
+          </a:xfrm>
+        </p:spPr>
+        <p:txBody>
+          <a:bodyPr>
+            <a:normAutofit/>
+          </a:bodyPr>
+          <a:lstStyle/>
+          <a:p>
+            <a:pPr marL="0" indent="0">
+              <a:buNone/>
+            </a:pPr>
+            <a:r>
+              <a:rPr lang="en-US" sz="1600" dirty="0">
+                <a:solidFill>
+                  <a:srgbClr val="000000"/>
+                </a:solidFill>
+              </a:rPr>
+              <a:t>Arrowwood</a:t>
+            </a:r>
+          </a:p>
+          <a:p>
+            <a:endParaRPr lang="en-US" sz="1600" dirty="0">
+              <a:solidFill>
+                <a:srgbClr val="000000"/>
+              </a:solidFill>
+            </a:endParaRPr>
+          </a:p>
+          <a:p>
+            <a:r>
+              <a:rPr lang="en-US" sz="1600" b="1" dirty="0">
+                <a:solidFill>
+                  <a:srgbClr val="000000"/>
+                </a:solidFill>
+              </a:rPr>
+              <a:t>Very fuzzy leaves </a:t>
+            </a:r>
+            <a:r>
+              <a:rPr lang="en-US" sz="1600" dirty="0">
+                <a:solidFill>
+                  <a:srgbClr val="000000"/>
+                </a:solidFill>
+              </a:rPr>
+              <a:t>like V. </a:t>
+            </a:r>
+            <a:r>
+              <a:rPr lang="en-US" sz="1600" dirty="0" err="1">
+                <a:solidFill>
+                  <a:srgbClr val="000000"/>
+                </a:solidFill>
+              </a:rPr>
+              <a:t>acerifolium</a:t>
+            </a:r>
+            <a:endParaRPr lang="en-US" sz="1600" dirty="0">
+              <a:solidFill>
+                <a:srgbClr val="000000"/>
+              </a:solidFill>
+            </a:endParaRPr>
+          </a:p>
+          <a:p>
+            <a:pPr lvl="1"/>
+            <a:r>
+              <a:rPr lang="en-US" b="1" dirty="0">
+                <a:solidFill>
+                  <a:srgbClr val="000000"/>
+                </a:solidFill>
+              </a:rPr>
+              <a:t>Opposite</a:t>
+            </a:r>
+          </a:p>
+          <a:p>
+            <a:pPr lvl="1"/>
+            <a:r>
+              <a:rPr lang="en-US" dirty="0">
+                <a:solidFill>
+                  <a:srgbClr val="000000"/>
+                </a:solidFill>
+              </a:rPr>
+              <a:t>Basically it’s like you took V. </a:t>
+            </a:r>
+            <a:r>
+              <a:rPr lang="en-US" dirty="0" err="1">
+                <a:solidFill>
+                  <a:srgbClr val="000000"/>
+                </a:solidFill>
+              </a:rPr>
+              <a:t>acerifolium</a:t>
+            </a:r>
+            <a:r>
+              <a:rPr lang="en-US" dirty="0">
+                <a:solidFill>
+                  <a:srgbClr val="000000"/>
+                </a:solidFill>
+              </a:rPr>
+              <a:t> leaves and got rid of the lobes</a:t>
+            </a:r>
+          </a:p>
+          <a:p>
+            <a:r>
+              <a:rPr lang="en-US" sz="1600" dirty="0">
+                <a:solidFill>
+                  <a:srgbClr val="000000"/>
+                </a:solidFill>
+              </a:rPr>
+              <a:t>Also not really in </a:t>
+            </a:r>
+            <a:r>
+              <a:rPr lang="en-US" sz="1600" dirty="0" err="1">
+                <a:solidFill>
+                  <a:srgbClr val="000000"/>
+                </a:solidFill>
+              </a:rPr>
+              <a:t>ForestGEO</a:t>
+            </a:r>
+            <a:r>
+              <a:rPr lang="en-US" sz="1600" dirty="0">
+                <a:solidFill>
+                  <a:srgbClr val="000000"/>
+                </a:solidFill>
+              </a:rPr>
+              <a:t> census, but definitely present in deer </a:t>
+            </a:r>
+            <a:r>
+              <a:rPr lang="en-US" sz="1600" dirty="0" err="1">
+                <a:solidFill>
+                  <a:srgbClr val="000000"/>
+                </a:solidFill>
+              </a:rPr>
+              <a:t>exclosure</a:t>
+            </a:r>
+            <a:endParaRPr lang="en-US" sz="1600" dirty="0">
+              <a:solidFill>
+                <a:srgbClr val="000000"/>
+              </a:solidFill>
+            </a:endParaRPr>
+          </a:p>
+          <a:p>
+            <a:pPr lvl="1"/>
+            <a:endParaRPr lang="en-US" dirty="0">
+              <a:solidFill>
+                <a:srgbClr val="000000"/>
+              </a:solidFill>
+            </a:endParaRPr>
+          </a:p>
+          <a:p>
+            <a:pPr lvl="1"/>
+            <a:endParaRPr lang="en-US" dirty="0">
+              <a:solidFill>
+                <a:srgbClr val="000000"/>
+              </a:solidFill>
+            </a:endParaRPr>
+          </a:p>
+        </p:txBody>
+      </p:sp>
+      <p:sp>
+        <p:nvSpPr>
+          <p:cNvPr id="4" name="TextBox 3">
+            <a:extLst>
+              <a:ext uri="{FF2B5EF4-FFF2-40B4-BE49-F238E27FC236}">
+                <a16:creationId xmlns:a16="http://schemas.microsoft.com/office/drawing/2014/main" id="{BEC31B08-ED35-463D-B061-E79E6C84A78B}"/>
+              </a:ext>
+            </a:extLst>
+          </p:cNvPr>
+          <p:cNvSpPr txBox="1"/>
+          <p:nvPr/>
+        </p:nvSpPr>
+        <p:spPr>
+          <a:xfrm>
+            <a:off x="6613071" y="6057900"/>
+            <a:ext cx="4963886" cy="230832"/>
+          </a:xfrm>
+          <a:prstGeom prst="rect">
+            <a:avLst/>
+          </a:prstGeom>
+          <a:noFill/>
+        </p:spPr>
+        <p:txBody>
+          <a:bodyPr wrap="square" rtlCol="0">
+            <a:spAutoFit/>
+          </a:bodyPr>
+          <a:lstStyle/>
+          <a:p>
+            <a:r>
+              <a:rPr lang="en-US" sz="900" dirty="0"/>
+              <a:t>Source: </a:t>
+            </a:r>
+            <a:r>
+              <a:rPr lang="en-US" sz="900" dirty="0">
+                <a:hlinkClick r:id="rId2"/>
+              </a:rPr>
+              <a:t>http://dendro.cnre.vt.edu/dendrology/syllabus/factsheet.cfm?ID=357</a:t>
+            </a:r>
+            <a:endParaRPr lang="en-US" sz="900" dirty="0"/>
+          </a:p>
+        </p:txBody>
+      </p:sp>
+      <p:pic>
+        <p:nvPicPr>
+          <p:cNvPr id="15366" name="Picture 6" descr="https://www.dendroapp.frec.vt.edu/VT_Assets/Fact_Sheets/images/Viburnum%20dentatum/leaf1.jpg">
+            <a:extLst>
+              <a:ext uri="{FF2B5EF4-FFF2-40B4-BE49-F238E27FC236}">
+                <a16:creationId xmlns:a16="http://schemas.microsoft.com/office/drawing/2014/main" id="{E3EF3AF0-DAFD-4FB5-9562-255AB580C06C}"/>
+              </a:ext>
+            </a:extLst>
+          </p:cNvPr>
+          <p:cNvPicPr>
+            <a:picLocks noChangeAspect="1" noChangeArrowheads="1"/>
+          </p:cNvPicPr>
+          <p:nvPr/>
+        </p:nvPicPr>
+        <p:blipFill>
+          <a:blip r:embed="rId3">
+            <a:extLst>
+              <a:ext uri="{28A0092B-C50C-407E-A947-70E740481C1C}">
+                <a14:useLocalDpi xmlns:a14="http://schemas.microsoft.com/office/drawing/2010/main" val="0"/>
+              </a:ext>
+            </a:extLst>
+          </a:blip>
+          <a:srcRect/>
+          <a:stretch>
+            <a:fillRect/>
+          </a:stretch>
+        </p:blipFill>
+        <p:spPr bwMode="auto">
+          <a:xfrm>
+            <a:off x="7365092" y="1264554"/>
+            <a:ext cx="3302907" cy="4220381"/>
+          </a:xfrm>
+          <a:prstGeom prst="rect">
+            <a:avLst/>
+          </a:prstGeom>
+          <a:noFill/>
+          <a:extLst>
+            <a:ext uri="{909E8E84-426E-40DD-AFC4-6F175D3DCCD1}">
+              <a14:hiddenFill xmlns:a14="http://schemas.microsoft.com/office/drawing/2010/main">
+                <a:solidFill>
+                  <a:srgbClr val="FFFFFF"/>
+                </a:solidFill>
+              </a14:hiddenFill>
+            </a:ext>
+          </a:extLst>
+        </p:spPr>
+      </p:pic>
     </p:spTree>
     <p:extLst>
       <p:ext uri="{BB962C8B-B14F-4D97-AF65-F5344CB8AC3E}">
